--- a/Slides/OpenChain-Monthly-Meeting-2024-03-19.pptx
+++ b/Slides/OpenChain-Monthly-Meeting-2024-03-19.pptx
@@ -5,7 +5,7 @@
     <p:sldMasterId id="2147483664" r:id="rId1"/>
   </p:sldMasterIdLst>
   <p:notesMasterIdLst>
-    <p:notesMasterId r:id="rId21"/>
+    <p:notesMasterId r:id="rId22"/>
   </p:notesMasterIdLst>
   <p:sldIdLst>
     <p:sldId id="257" r:id="rId2"/>
@@ -21,12 +21,13 @@
     <p:sldId id="275" r:id="rId12"/>
     <p:sldId id="638" r:id="rId13"/>
     <p:sldId id="284" r:id="rId14"/>
-    <p:sldId id="276" r:id="rId15"/>
-    <p:sldId id="639" r:id="rId16"/>
-    <p:sldId id="285" r:id="rId17"/>
-    <p:sldId id="278" r:id="rId18"/>
-    <p:sldId id="279" r:id="rId19"/>
-    <p:sldId id="267" r:id="rId20"/>
+    <p:sldId id="633" r:id="rId15"/>
+    <p:sldId id="276" r:id="rId16"/>
+    <p:sldId id="639" r:id="rId17"/>
+    <p:sldId id="285" r:id="rId18"/>
+    <p:sldId id="278" r:id="rId19"/>
+    <p:sldId id="279" r:id="rId20"/>
+    <p:sldId id="267" r:id="rId21"/>
   </p:sldIdLst>
   <p:sldSz cx="9144000" cy="5143500" type="screen16x9"/>
   <p:notesSz cx="6858000" cy="9144000"/>
@@ -1264,6 +1265,115 @@
   <p:cSld>
     <p:spTree>
       <p:nvGrpSpPr>
+        <p:cNvPr id="1" name="Shape 153"/>
+        <p:cNvGrpSpPr/>
+        <p:nvPr/>
+      </p:nvGrpSpPr>
+      <p:grpSpPr>
+        <a:xfrm>
+          <a:off x="0" y="0"/>
+          <a:ext cx="0" cy="0"/>
+          <a:chOff x="0" y="0"/>
+          <a:chExt cx="0" cy="0"/>
+        </a:xfrm>
+      </p:grpSpPr>
+      <p:sp>
+        <p:nvSpPr>
+          <p:cNvPr id="154" name="Google Shape;154;g146cbe31ecc_0_86:notes"/>
+          <p:cNvSpPr>
+            <a:spLocks noGrp="1" noRot="1" noChangeAspect="1"/>
+          </p:cNvSpPr>
+          <p:nvPr>
+            <p:ph type="sldImg" idx="2"/>
+          </p:nvPr>
+        </p:nvSpPr>
+        <p:spPr>
+          <a:xfrm>
+            <a:off x="381000" y="685800"/>
+            <a:ext cx="6096000" cy="3429000"/>
+          </a:xfrm>
+          <a:custGeom>
+            <a:avLst/>
+            <a:gdLst/>
+            <a:ahLst/>
+            <a:cxnLst/>
+            <a:rect l="l" t="t" r="r" b="b"/>
+            <a:pathLst>
+              <a:path w="120000" h="120000" extrusionOk="0">
+                <a:moveTo>
+                  <a:pt x="0" y="0"/>
+                </a:moveTo>
+                <a:lnTo>
+                  <a:pt x="120000" y="0"/>
+                </a:lnTo>
+                <a:lnTo>
+                  <a:pt x="120000" y="120000"/>
+                </a:lnTo>
+                <a:lnTo>
+                  <a:pt x="0" y="120000"/>
+                </a:lnTo>
+                <a:close/>
+              </a:path>
+            </a:pathLst>
+          </a:custGeom>
+        </p:spPr>
+      </p:sp>
+      <p:sp>
+        <p:nvSpPr>
+          <p:cNvPr id="155" name="Google Shape;155;g146cbe31ecc_0_86:notes"/>
+          <p:cNvSpPr txBox="1">
+            <a:spLocks noGrp="1"/>
+          </p:cNvSpPr>
+          <p:nvPr>
+            <p:ph type="body" idx="1"/>
+          </p:nvPr>
+        </p:nvSpPr>
+        <p:spPr>
+          <a:xfrm>
+            <a:off x="685800" y="4343400"/>
+            <a:ext cx="5486400" cy="4114800"/>
+          </a:xfrm>
+          <a:prstGeom prst="rect">
+            <a:avLst/>
+          </a:prstGeom>
+        </p:spPr>
+        <p:txBody>
+          <a:bodyPr spcFirstLastPara="1" wrap="square" lIns="91425" tIns="91425" rIns="91425" bIns="91425" anchor="t" anchorCtr="0">
+            <a:noAutofit/>
+          </a:bodyPr>
+          <a:lstStyle/>
+          <a:p>
+            <a:pPr marL="0" lvl="0" indent="0" algn="l" rtl="0">
+              <a:spcBef>
+                <a:spcPts val="0"/>
+              </a:spcBef>
+              <a:spcAft>
+                <a:spcPts val="0"/>
+              </a:spcAft>
+              <a:buNone/>
+            </a:pPr>
+            <a:endParaRPr/>
+          </a:p>
+        </p:txBody>
+      </p:sp>
+    </p:spTree>
+    <p:extLst>
+      <p:ext uri="{BB962C8B-B14F-4D97-AF65-F5344CB8AC3E}">
+        <p14:creationId xmlns:p14="http://schemas.microsoft.com/office/powerpoint/2010/main" val="205296546"/>
+      </p:ext>
+    </p:extLst>
+  </p:cSld>
+  <p:clrMapOvr>
+    <a:masterClrMapping/>
+  </p:clrMapOvr>
+</p:notes>
+</file>
+
+<file path=ppt/notesSlides/notesSlide15.xml><?xml version="1.0" encoding="utf-8"?>
+<p:notes xmlns:a="http://schemas.openxmlformats.org/drawingml/2006/main" xmlns:r="http://schemas.openxmlformats.org/officeDocument/2006/relationships" xmlns:p="http://schemas.openxmlformats.org/presentationml/2006/main" showMasterSp="0" showMasterPhAnim="0">
+  <p:cSld>
+    <p:spTree>
+      <p:nvGrpSpPr>
         <p:cNvPr id="1" name="Shape 141"/>
         <p:cNvGrpSpPr/>
         <p:nvPr/>
@@ -1359,115 +1469,6 @@
     <p:extLst>
       <p:ext uri="{BB962C8B-B14F-4D97-AF65-F5344CB8AC3E}">
         <p14:creationId xmlns:p14="http://schemas.microsoft.com/office/powerpoint/2010/main" val="1233311338"/>
-      </p:ext>
-    </p:extLst>
-  </p:cSld>
-  <p:clrMapOvr>
-    <a:masterClrMapping/>
-  </p:clrMapOvr>
-</p:notes>
-</file>
-
-<file path=ppt/notesSlides/notesSlide15.xml><?xml version="1.0" encoding="utf-8"?>
-<p:notes xmlns:a="http://schemas.openxmlformats.org/drawingml/2006/main" xmlns:r="http://schemas.openxmlformats.org/officeDocument/2006/relationships" xmlns:p="http://schemas.openxmlformats.org/presentationml/2006/main" showMasterSp="0" showMasterPhAnim="0">
-  <p:cSld>
-    <p:spTree>
-      <p:nvGrpSpPr>
-        <p:cNvPr id="1" name="Shape 153"/>
-        <p:cNvGrpSpPr/>
-        <p:nvPr/>
-      </p:nvGrpSpPr>
-      <p:grpSpPr>
-        <a:xfrm>
-          <a:off x="0" y="0"/>
-          <a:ext cx="0" cy="0"/>
-          <a:chOff x="0" y="0"/>
-          <a:chExt cx="0" cy="0"/>
-        </a:xfrm>
-      </p:grpSpPr>
-      <p:sp>
-        <p:nvSpPr>
-          <p:cNvPr id="154" name="Google Shape;154;g146cbe31ecc_0_86:notes"/>
-          <p:cNvSpPr>
-            <a:spLocks noGrp="1" noRot="1" noChangeAspect="1"/>
-          </p:cNvSpPr>
-          <p:nvPr>
-            <p:ph type="sldImg" idx="2"/>
-          </p:nvPr>
-        </p:nvSpPr>
-        <p:spPr>
-          <a:xfrm>
-            <a:off x="381000" y="685800"/>
-            <a:ext cx="6096000" cy="3429000"/>
-          </a:xfrm>
-          <a:custGeom>
-            <a:avLst/>
-            <a:gdLst/>
-            <a:ahLst/>
-            <a:cxnLst/>
-            <a:rect l="l" t="t" r="r" b="b"/>
-            <a:pathLst>
-              <a:path w="120000" h="120000" extrusionOk="0">
-                <a:moveTo>
-                  <a:pt x="0" y="0"/>
-                </a:moveTo>
-                <a:lnTo>
-                  <a:pt x="120000" y="0"/>
-                </a:lnTo>
-                <a:lnTo>
-                  <a:pt x="120000" y="120000"/>
-                </a:lnTo>
-                <a:lnTo>
-                  <a:pt x="0" y="120000"/>
-                </a:lnTo>
-                <a:close/>
-              </a:path>
-            </a:pathLst>
-          </a:custGeom>
-        </p:spPr>
-      </p:sp>
-      <p:sp>
-        <p:nvSpPr>
-          <p:cNvPr id="155" name="Google Shape;155;g146cbe31ecc_0_86:notes"/>
-          <p:cNvSpPr txBox="1">
-            <a:spLocks noGrp="1"/>
-          </p:cNvSpPr>
-          <p:nvPr>
-            <p:ph type="body" idx="1"/>
-          </p:nvPr>
-        </p:nvSpPr>
-        <p:spPr>
-          <a:xfrm>
-            <a:off x="685800" y="4343400"/>
-            <a:ext cx="5486400" cy="4114800"/>
-          </a:xfrm>
-          <a:prstGeom prst="rect">
-            <a:avLst/>
-          </a:prstGeom>
-        </p:spPr>
-        <p:txBody>
-          <a:bodyPr spcFirstLastPara="1" wrap="square" lIns="91425" tIns="91425" rIns="91425" bIns="91425" anchor="t" anchorCtr="0">
-            <a:noAutofit/>
-          </a:bodyPr>
-          <a:lstStyle/>
-          <a:p>
-            <a:pPr marL="0" lvl="0" indent="0" algn="l" rtl="0">
-              <a:spcBef>
-                <a:spcPts val="0"/>
-              </a:spcBef>
-              <a:spcAft>
-                <a:spcPts val="0"/>
-              </a:spcAft>
-              <a:buNone/>
-            </a:pPr>
-            <a:endParaRPr/>
-          </a:p>
-        </p:txBody>
-      </p:sp>
-    </p:spTree>
-    <p:extLst>
-      <p:ext uri="{BB962C8B-B14F-4D97-AF65-F5344CB8AC3E}">
-        <p14:creationId xmlns:p14="http://schemas.microsoft.com/office/powerpoint/2010/main" val="252778259"/>
       </p:ext>
     </p:extLst>
   </p:cSld>
@@ -1576,7 +1577,7 @@
     </p:spTree>
     <p:extLst>
       <p:ext uri="{BB962C8B-B14F-4D97-AF65-F5344CB8AC3E}">
-        <p14:creationId xmlns:p14="http://schemas.microsoft.com/office/powerpoint/2010/main" val="3498927726"/>
+        <p14:creationId xmlns:p14="http://schemas.microsoft.com/office/powerpoint/2010/main" val="252778259"/>
       </p:ext>
     </p:extLst>
   </p:cSld>
@@ -1591,7 +1592,7 @@
   <p:cSld>
     <p:spTree>
       <p:nvGrpSpPr>
-        <p:cNvPr id="1" name="Shape 141"/>
+        <p:cNvPr id="1" name="Shape 153"/>
         <p:cNvGrpSpPr/>
         <p:nvPr/>
       </p:nvGrpSpPr>
@@ -1605,7 +1606,7 @@
       </p:grpSpPr>
       <p:sp>
         <p:nvSpPr>
-          <p:cNvPr id="142" name="Google Shape;142;g146cbe31ecc_0_96:notes"/>
+          <p:cNvPr id="154" name="Google Shape;154;g146cbe31ecc_0_86:notes"/>
           <p:cNvSpPr>
             <a:spLocks noGrp="1" noRot="1" noChangeAspect="1"/>
           </p:cNvSpPr>
@@ -1646,7 +1647,7 @@
       </p:sp>
       <p:sp>
         <p:nvSpPr>
-          <p:cNvPr id="143" name="Google Shape;143;g146cbe31ecc_0_96:notes"/>
+          <p:cNvPr id="155" name="Google Shape;155;g146cbe31ecc_0_86:notes"/>
           <p:cNvSpPr txBox="1">
             <a:spLocks noGrp="1"/>
           </p:cNvSpPr>
@@ -1685,7 +1686,7 @@
     </p:spTree>
     <p:extLst>
       <p:ext uri="{BB962C8B-B14F-4D97-AF65-F5344CB8AC3E}">
-        <p14:creationId xmlns:p14="http://schemas.microsoft.com/office/powerpoint/2010/main" val="4066291479"/>
+        <p14:creationId xmlns:p14="http://schemas.microsoft.com/office/powerpoint/2010/main" val="3498927726"/>
       </p:ext>
     </p:extLst>
   </p:cSld>
@@ -1794,7 +1795,7 @@
     </p:spTree>
     <p:extLst>
       <p:ext uri="{BB962C8B-B14F-4D97-AF65-F5344CB8AC3E}">
-        <p14:creationId xmlns:p14="http://schemas.microsoft.com/office/powerpoint/2010/main" val="1623051584"/>
+        <p14:creationId xmlns:p14="http://schemas.microsoft.com/office/powerpoint/2010/main" val="4066291479"/>
       </p:ext>
     </p:extLst>
   </p:cSld>
@@ -1809,7 +1810,7 @@
   <p:cSld>
     <p:spTree>
       <p:nvGrpSpPr>
-        <p:cNvPr id="1" name="Shape 177"/>
+        <p:cNvPr id="1" name="Shape 141"/>
         <p:cNvGrpSpPr/>
         <p:nvPr/>
       </p:nvGrpSpPr>
@@ -1823,7 +1824,7 @@
       </p:grpSpPr>
       <p:sp>
         <p:nvSpPr>
-          <p:cNvPr id="178" name="Google Shape;178;g144aaa0767c_0_104:notes"/>
+          <p:cNvPr id="142" name="Google Shape;142;g146cbe31ecc_0_96:notes"/>
           <p:cNvSpPr>
             <a:spLocks noGrp="1" noRot="1" noChangeAspect="1"/>
           </p:cNvSpPr>
@@ -1864,7 +1865,7 @@
       </p:sp>
       <p:sp>
         <p:nvSpPr>
-          <p:cNvPr id="179" name="Google Shape;179;g144aaa0767c_0_104:notes"/>
+          <p:cNvPr id="143" name="Google Shape;143;g146cbe31ecc_0_96:notes"/>
           <p:cNvSpPr txBox="1">
             <a:spLocks noGrp="1"/>
           </p:cNvSpPr>
@@ -1901,6 +1902,11 @@
         </p:txBody>
       </p:sp>
     </p:spTree>
+    <p:extLst>
+      <p:ext uri="{BB962C8B-B14F-4D97-AF65-F5344CB8AC3E}">
+        <p14:creationId xmlns:p14="http://schemas.microsoft.com/office/powerpoint/2010/main" val="1623051584"/>
+      </p:ext>
+    </p:extLst>
   </p:cSld>
   <p:clrMapOvr>
     <a:masterClrMapping/>
@@ -2010,6 +2016,110 @@
         <p14:creationId xmlns:p14="http://schemas.microsoft.com/office/powerpoint/2010/main" val="794628929"/>
       </p:ext>
     </p:extLst>
+  </p:cSld>
+  <p:clrMapOvr>
+    <a:masterClrMapping/>
+  </p:clrMapOvr>
+</p:notes>
+</file>
+
+<file path=ppt/notesSlides/notesSlide20.xml><?xml version="1.0" encoding="utf-8"?>
+<p:notes xmlns:a="http://schemas.openxmlformats.org/drawingml/2006/main" xmlns:r="http://schemas.openxmlformats.org/officeDocument/2006/relationships" xmlns:p="http://schemas.openxmlformats.org/presentationml/2006/main" showMasterSp="0" showMasterPhAnim="0">
+  <p:cSld>
+    <p:spTree>
+      <p:nvGrpSpPr>
+        <p:cNvPr id="1" name="Shape 177"/>
+        <p:cNvGrpSpPr/>
+        <p:nvPr/>
+      </p:nvGrpSpPr>
+      <p:grpSpPr>
+        <a:xfrm>
+          <a:off x="0" y="0"/>
+          <a:ext cx="0" cy="0"/>
+          <a:chOff x="0" y="0"/>
+          <a:chExt cx="0" cy="0"/>
+        </a:xfrm>
+      </p:grpSpPr>
+      <p:sp>
+        <p:nvSpPr>
+          <p:cNvPr id="178" name="Google Shape;178;g144aaa0767c_0_104:notes"/>
+          <p:cNvSpPr>
+            <a:spLocks noGrp="1" noRot="1" noChangeAspect="1"/>
+          </p:cNvSpPr>
+          <p:nvPr>
+            <p:ph type="sldImg" idx="2"/>
+          </p:nvPr>
+        </p:nvSpPr>
+        <p:spPr>
+          <a:xfrm>
+            <a:off x="381000" y="685800"/>
+            <a:ext cx="6096000" cy="3429000"/>
+          </a:xfrm>
+          <a:custGeom>
+            <a:avLst/>
+            <a:gdLst/>
+            <a:ahLst/>
+            <a:cxnLst/>
+            <a:rect l="l" t="t" r="r" b="b"/>
+            <a:pathLst>
+              <a:path w="120000" h="120000" extrusionOk="0">
+                <a:moveTo>
+                  <a:pt x="0" y="0"/>
+                </a:moveTo>
+                <a:lnTo>
+                  <a:pt x="120000" y="0"/>
+                </a:lnTo>
+                <a:lnTo>
+                  <a:pt x="120000" y="120000"/>
+                </a:lnTo>
+                <a:lnTo>
+                  <a:pt x="0" y="120000"/>
+                </a:lnTo>
+                <a:close/>
+              </a:path>
+            </a:pathLst>
+          </a:custGeom>
+        </p:spPr>
+      </p:sp>
+      <p:sp>
+        <p:nvSpPr>
+          <p:cNvPr id="179" name="Google Shape;179;g144aaa0767c_0_104:notes"/>
+          <p:cNvSpPr txBox="1">
+            <a:spLocks noGrp="1"/>
+          </p:cNvSpPr>
+          <p:nvPr>
+            <p:ph type="body" idx="1"/>
+          </p:nvPr>
+        </p:nvSpPr>
+        <p:spPr>
+          <a:xfrm>
+            <a:off x="685800" y="4343400"/>
+            <a:ext cx="5486400" cy="4114800"/>
+          </a:xfrm>
+          <a:prstGeom prst="rect">
+            <a:avLst/>
+          </a:prstGeom>
+        </p:spPr>
+        <p:txBody>
+          <a:bodyPr spcFirstLastPara="1" wrap="square" lIns="91425" tIns="91425" rIns="91425" bIns="91425" anchor="t" anchorCtr="0">
+            <a:noAutofit/>
+          </a:bodyPr>
+          <a:lstStyle/>
+          <a:p>
+            <a:pPr marL="0" lvl="0" indent="0" algn="l" rtl="0">
+              <a:spcBef>
+                <a:spcPts val="0"/>
+              </a:spcBef>
+              <a:spcAft>
+                <a:spcPts val="0"/>
+              </a:spcAft>
+              <a:buNone/>
+            </a:pPr>
+            <a:endParaRPr/>
+          </a:p>
+        </p:txBody>
+      </p:sp>
+    </p:spTree>
   </p:cSld>
   <p:clrMapOvr>
     <a:masterClrMapping/>
@@ -6798,7 +6908,7 @@
         </p:spPr>
         <p:txBody>
           <a:bodyPr spcFirstLastPara="1" wrap="square" lIns="91425" tIns="91425" rIns="91425" bIns="91425" anchor="t" anchorCtr="0">
-            <a:normAutofit fontScale="90000"/>
+            <a:normAutofit/>
           </a:bodyPr>
           <a:lstStyle/>
           <a:p>
@@ -6820,7 +6930,7 @@
             </a:br>
             <a:r>
               <a:rPr lang="en-US" dirty="0"/>
-              <a:t>North America / Europe Meeting</a:t>
+              <a:t>North America / Asia Meeting</a:t>
             </a:r>
             <a:endParaRPr dirty="0"/>
           </a:p>
@@ -7542,292 +7652,6 @@
           </a:p>
         </p:txBody>
       </p:sp>
-      <p:sp>
-        <p:nvSpPr>
-          <p:cNvPr id="2" name="Google Shape;157;p25">
-            <a:extLst>
-              <a:ext uri="{FF2B5EF4-FFF2-40B4-BE49-F238E27FC236}">
-                <a16:creationId xmlns:a16="http://schemas.microsoft.com/office/drawing/2014/main" id="{5705BD80-E341-CECC-9FA9-57264372BDCF}"/>
-              </a:ext>
-            </a:extLst>
-          </p:cNvPr>
-          <p:cNvSpPr txBox="1">
-            <a:spLocks/>
-          </p:cNvSpPr>
-          <p:nvPr/>
-        </p:nvSpPr>
-        <p:spPr>
-          <a:xfrm>
-            <a:off x="343050" y="838225"/>
-            <a:ext cx="8520600" cy="607800"/>
-          </a:xfrm>
-          <a:prstGeom prst="rect">
-            <a:avLst/>
-          </a:prstGeom>
-          <a:noFill/>
-          <a:ln>
-            <a:noFill/>
-          </a:ln>
-        </p:spPr>
-        <p:txBody>
-          <a:bodyPr spcFirstLastPara="1" wrap="square" lIns="91425" tIns="91425" rIns="91425" bIns="91425" anchor="t" anchorCtr="0">
-            <a:normAutofit fontScale="97500"/>
-          </a:bodyPr>
-          <a:lstStyle>
-            <a:defPPr marR="0" lvl="0" algn="l" rtl="0">
-              <a:lnSpc>
-                <a:spcPct val="100000"/>
-              </a:lnSpc>
-              <a:spcBef>
-                <a:spcPts val="0"/>
-              </a:spcBef>
-              <a:spcAft>
-                <a:spcPts val="0"/>
-              </a:spcAft>
-            </a:defPPr>
-            <a:lvl1pPr marR="0" lvl="0" algn="l" rtl="0">
-              <a:lnSpc>
-                <a:spcPct val="100000"/>
-              </a:lnSpc>
-              <a:spcBef>
-                <a:spcPts val="0"/>
-              </a:spcBef>
-              <a:spcAft>
-                <a:spcPts val="0"/>
-              </a:spcAft>
-              <a:buClr>
-                <a:schemeClr val="dk1"/>
-              </a:buClr>
-              <a:buSzPts val="3000"/>
-              <a:buFont typeface="Roboto Slab Light"/>
-              <a:buNone/>
-              <a:defRPr sz="3000" b="0" i="0" u="none" strike="noStrike" cap="none">
-                <a:solidFill>
-                  <a:schemeClr val="dk1"/>
-                </a:solidFill>
-                <a:latin typeface="Roboto Slab Light"/>
-                <a:ea typeface="Roboto Slab Light"/>
-                <a:cs typeface="Roboto Slab Light"/>
-                <a:sym typeface="Roboto Slab Light"/>
-              </a:defRPr>
-            </a:lvl1pPr>
-            <a:lvl2pPr marR="0" lvl="1" algn="l" rtl="0">
-              <a:lnSpc>
-                <a:spcPct val="100000"/>
-              </a:lnSpc>
-              <a:spcBef>
-                <a:spcPts val="0"/>
-              </a:spcBef>
-              <a:spcAft>
-                <a:spcPts val="0"/>
-              </a:spcAft>
-              <a:buClr>
-                <a:schemeClr val="dk1"/>
-              </a:buClr>
-              <a:buSzPts val="3000"/>
-              <a:buFont typeface="Roboto"/>
-              <a:buNone/>
-              <a:defRPr sz="3000" b="0" i="0" u="none" strike="noStrike" cap="none">
-                <a:solidFill>
-                  <a:schemeClr val="dk1"/>
-                </a:solidFill>
-                <a:latin typeface="Roboto"/>
-                <a:ea typeface="Roboto"/>
-                <a:cs typeface="Roboto"/>
-                <a:sym typeface="Roboto"/>
-              </a:defRPr>
-            </a:lvl2pPr>
-            <a:lvl3pPr marR="0" lvl="2" algn="l" rtl="0">
-              <a:lnSpc>
-                <a:spcPct val="100000"/>
-              </a:lnSpc>
-              <a:spcBef>
-                <a:spcPts val="0"/>
-              </a:spcBef>
-              <a:spcAft>
-                <a:spcPts val="0"/>
-              </a:spcAft>
-              <a:buClr>
-                <a:schemeClr val="dk1"/>
-              </a:buClr>
-              <a:buSzPts val="3000"/>
-              <a:buFont typeface="Roboto"/>
-              <a:buNone/>
-              <a:defRPr sz="3000" b="0" i="0" u="none" strike="noStrike" cap="none">
-                <a:solidFill>
-                  <a:schemeClr val="dk1"/>
-                </a:solidFill>
-                <a:latin typeface="Roboto"/>
-                <a:ea typeface="Roboto"/>
-                <a:cs typeface="Roboto"/>
-                <a:sym typeface="Roboto"/>
-              </a:defRPr>
-            </a:lvl3pPr>
-            <a:lvl4pPr marR="0" lvl="3" algn="l" rtl="0">
-              <a:lnSpc>
-                <a:spcPct val="100000"/>
-              </a:lnSpc>
-              <a:spcBef>
-                <a:spcPts val="0"/>
-              </a:spcBef>
-              <a:spcAft>
-                <a:spcPts val="0"/>
-              </a:spcAft>
-              <a:buClr>
-                <a:schemeClr val="dk1"/>
-              </a:buClr>
-              <a:buSzPts val="3000"/>
-              <a:buFont typeface="Roboto"/>
-              <a:buNone/>
-              <a:defRPr sz="3000" b="0" i="0" u="none" strike="noStrike" cap="none">
-                <a:solidFill>
-                  <a:schemeClr val="dk1"/>
-                </a:solidFill>
-                <a:latin typeface="Roboto"/>
-                <a:ea typeface="Roboto"/>
-                <a:cs typeface="Roboto"/>
-                <a:sym typeface="Roboto"/>
-              </a:defRPr>
-            </a:lvl4pPr>
-            <a:lvl5pPr marR="0" lvl="4" algn="l" rtl="0">
-              <a:lnSpc>
-                <a:spcPct val="100000"/>
-              </a:lnSpc>
-              <a:spcBef>
-                <a:spcPts val="0"/>
-              </a:spcBef>
-              <a:spcAft>
-                <a:spcPts val="0"/>
-              </a:spcAft>
-              <a:buClr>
-                <a:schemeClr val="dk1"/>
-              </a:buClr>
-              <a:buSzPts val="3000"/>
-              <a:buFont typeface="Roboto"/>
-              <a:buNone/>
-              <a:defRPr sz="3000" b="0" i="0" u="none" strike="noStrike" cap="none">
-                <a:solidFill>
-                  <a:schemeClr val="dk1"/>
-                </a:solidFill>
-                <a:latin typeface="Roboto"/>
-                <a:ea typeface="Roboto"/>
-                <a:cs typeface="Roboto"/>
-                <a:sym typeface="Roboto"/>
-              </a:defRPr>
-            </a:lvl5pPr>
-            <a:lvl6pPr marR="0" lvl="5" algn="l" rtl="0">
-              <a:lnSpc>
-                <a:spcPct val="100000"/>
-              </a:lnSpc>
-              <a:spcBef>
-                <a:spcPts val="0"/>
-              </a:spcBef>
-              <a:spcAft>
-                <a:spcPts val="0"/>
-              </a:spcAft>
-              <a:buClr>
-                <a:schemeClr val="dk1"/>
-              </a:buClr>
-              <a:buSzPts val="3000"/>
-              <a:buFont typeface="Roboto"/>
-              <a:buNone/>
-              <a:defRPr sz="3000" b="0" i="0" u="none" strike="noStrike" cap="none">
-                <a:solidFill>
-                  <a:schemeClr val="dk1"/>
-                </a:solidFill>
-                <a:latin typeface="Roboto"/>
-                <a:ea typeface="Roboto"/>
-                <a:cs typeface="Roboto"/>
-                <a:sym typeface="Roboto"/>
-              </a:defRPr>
-            </a:lvl6pPr>
-            <a:lvl7pPr marR="0" lvl="6" algn="l" rtl="0">
-              <a:lnSpc>
-                <a:spcPct val="100000"/>
-              </a:lnSpc>
-              <a:spcBef>
-                <a:spcPts val="0"/>
-              </a:spcBef>
-              <a:spcAft>
-                <a:spcPts val="0"/>
-              </a:spcAft>
-              <a:buClr>
-                <a:schemeClr val="dk1"/>
-              </a:buClr>
-              <a:buSzPts val="3000"/>
-              <a:buFont typeface="Roboto"/>
-              <a:buNone/>
-              <a:defRPr sz="3000" b="0" i="0" u="none" strike="noStrike" cap="none">
-                <a:solidFill>
-                  <a:schemeClr val="dk1"/>
-                </a:solidFill>
-                <a:latin typeface="Roboto"/>
-                <a:ea typeface="Roboto"/>
-                <a:cs typeface="Roboto"/>
-                <a:sym typeface="Roboto"/>
-              </a:defRPr>
-            </a:lvl7pPr>
-            <a:lvl8pPr marR="0" lvl="7" algn="l" rtl="0">
-              <a:lnSpc>
-                <a:spcPct val="100000"/>
-              </a:lnSpc>
-              <a:spcBef>
-                <a:spcPts val="0"/>
-              </a:spcBef>
-              <a:spcAft>
-                <a:spcPts val="0"/>
-              </a:spcAft>
-              <a:buClr>
-                <a:schemeClr val="dk1"/>
-              </a:buClr>
-              <a:buSzPts val="3000"/>
-              <a:buFont typeface="Roboto"/>
-              <a:buNone/>
-              <a:defRPr sz="3000" b="0" i="0" u="none" strike="noStrike" cap="none">
-                <a:solidFill>
-                  <a:schemeClr val="dk1"/>
-                </a:solidFill>
-                <a:latin typeface="Roboto"/>
-                <a:ea typeface="Roboto"/>
-                <a:cs typeface="Roboto"/>
-                <a:sym typeface="Roboto"/>
-              </a:defRPr>
-            </a:lvl8pPr>
-            <a:lvl9pPr marR="0" lvl="8" algn="l" rtl="0">
-              <a:lnSpc>
-                <a:spcPct val="100000"/>
-              </a:lnSpc>
-              <a:spcBef>
-                <a:spcPts val="0"/>
-              </a:spcBef>
-              <a:spcAft>
-                <a:spcPts val="0"/>
-              </a:spcAft>
-              <a:buClr>
-                <a:schemeClr val="dk1"/>
-              </a:buClr>
-              <a:buSzPts val="3000"/>
-              <a:buFont typeface="Roboto"/>
-              <a:buNone/>
-              <a:defRPr sz="3000" b="0" i="0" u="none" strike="noStrike" cap="none">
-                <a:solidFill>
-                  <a:schemeClr val="dk1"/>
-                </a:solidFill>
-                <a:latin typeface="Roboto"/>
-                <a:ea typeface="Roboto"/>
-                <a:cs typeface="Roboto"/>
-                <a:sym typeface="Roboto"/>
-              </a:defRPr>
-            </a:lvl9pPr>
-          </a:lstStyle>
-          <a:p>
-            <a:r>
-              <a:rPr lang="en-US" sz="1800" dirty="0"/>
-              <a:t>See Next Two Slides For Status And Next Steps</a:t>
-            </a:r>
-          </a:p>
-        </p:txBody>
-      </p:sp>
     </p:spTree>
     <p:extLst>
       <p:ext uri="{BB962C8B-B14F-4D97-AF65-F5344CB8AC3E}">
@@ -7842,6 +7666,234 @@
 </file>
 
 <file path=ppt/slides/slide14.xml><?xml version="1.0" encoding="utf-8"?>
+<p:sld xmlns:a="http://schemas.openxmlformats.org/drawingml/2006/main" xmlns:r="http://schemas.openxmlformats.org/officeDocument/2006/relationships" xmlns:p="http://schemas.openxmlformats.org/presentationml/2006/main">
+  <p:cSld>
+    <p:spTree>
+      <p:nvGrpSpPr>
+        <p:cNvPr id="1" name="Shape 156"/>
+        <p:cNvGrpSpPr/>
+        <p:nvPr/>
+      </p:nvGrpSpPr>
+      <p:grpSpPr>
+        <a:xfrm>
+          <a:off x="0" y="0"/>
+          <a:ext cx="0" cy="0"/>
+          <a:chOff x="0" y="0"/>
+          <a:chExt cx="0" cy="0"/>
+        </a:xfrm>
+      </p:grpSpPr>
+      <p:sp>
+        <p:nvSpPr>
+          <p:cNvPr id="157" name="Google Shape;157;p25"/>
+          <p:cNvSpPr txBox="1">
+            <a:spLocks noGrp="1"/>
+          </p:cNvSpPr>
+          <p:nvPr>
+            <p:ph type="title"/>
+          </p:nvPr>
+        </p:nvSpPr>
+        <p:spPr>
+          <a:xfrm>
+            <a:off x="311700" y="410000"/>
+            <a:ext cx="8520600" cy="607800"/>
+          </a:xfrm>
+          <a:prstGeom prst="rect">
+            <a:avLst/>
+          </a:prstGeom>
+        </p:spPr>
+        <p:txBody>
+          <a:bodyPr spcFirstLastPara="1" wrap="square" lIns="91425" tIns="91425" rIns="91425" bIns="91425" anchor="t" anchorCtr="0">
+            <a:normAutofit fontScale="90000"/>
+          </a:bodyPr>
+          <a:lstStyle/>
+          <a:p>
+            <a:pPr marL="0" lvl="0" indent="0" algn="l" rtl="0">
+              <a:spcBef>
+                <a:spcPts val="0"/>
+              </a:spcBef>
+              <a:spcAft>
+                <a:spcPts val="0"/>
+              </a:spcAft>
+              <a:buNone/>
+            </a:pPr>
+            <a:r>
+              <a:rPr lang="en-US" dirty="0"/>
+              <a:t>Today: We Will Look At These Issues In Security</a:t>
+            </a:r>
+            <a:endParaRPr dirty="0"/>
+          </a:p>
+        </p:txBody>
+      </p:sp>
+      <p:sp>
+        <p:nvSpPr>
+          <p:cNvPr id="158" name="Google Shape;158;p25"/>
+          <p:cNvSpPr txBox="1">
+            <a:spLocks noGrp="1"/>
+          </p:cNvSpPr>
+          <p:nvPr>
+            <p:ph type="body" idx="1"/>
+          </p:nvPr>
+        </p:nvSpPr>
+        <p:spPr>
+          <a:xfrm>
+            <a:off x="280350" y="1266450"/>
+            <a:ext cx="8520600" cy="3339000"/>
+          </a:xfrm>
+          <a:prstGeom prst="rect">
+            <a:avLst/>
+          </a:prstGeom>
+        </p:spPr>
+        <p:txBody>
+          <a:bodyPr spcFirstLastPara="1" wrap="square" lIns="91425" tIns="91425" rIns="91425" bIns="91425" anchor="t" anchorCtr="0">
+            <a:normAutofit fontScale="85000" lnSpcReduction="10000"/>
+          </a:bodyPr>
+          <a:lstStyle/>
+          <a:p>
+            <a:pPr marL="0" lvl="0" indent="0" algn="l" rtl="0">
+              <a:spcBef>
+                <a:spcPts val="0"/>
+              </a:spcBef>
+              <a:spcAft>
+                <a:spcPts val="1200"/>
+              </a:spcAft>
+              <a:buNone/>
+            </a:pPr>
+            <a:r>
+              <a:rPr lang="en-US" dirty="0"/>
+              <a:t>[Improvement] ZA/NM05 - Proposed rewording for 3.1.5</a:t>
+            </a:r>
+          </a:p>
+          <a:p>
+            <a:pPr marL="0" lvl="0" indent="0" algn="l" rtl="0">
+              <a:spcBef>
+                <a:spcPts val="0"/>
+              </a:spcBef>
+              <a:spcAft>
+                <a:spcPts val="1200"/>
+              </a:spcAft>
+              <a:buNone/>
+            </a:pPr>
+            <a:r>
+              <a:rPr lang="en-US" dirty="0">
+                <a:hlinkClick r:id="rId3"/>
+              </a:rPr>
+              <a:t>https://github.com/OpenChain-Project/Security-Assurance-Specification/issues/18</a:t>
+            </a:r>
+            <a:endParaRPr lang="en-US" dirty="0"/>
+          </a:p>
+          <a:p>
+            <a:pPr marL="0" lvl="0" indent="0" algn="l" rtl="0">
+              <a:spcBef>
+                <a:spcPts val="0"/>
+              </a:spcBef>
+              <a:spcAft>
+                <a:spcPts val="1200"/>
+              </a:spcAft>
+              <a:buNone/>
+            </a:pPr>
+            <a:endParaRPr lang="en-US" dirty="0"/>
+          </a:p>
+          <a:p>
+            <a:pPr marL="0" lvl="0" indent="0" algn="l" rtl="0">
+              <a:spcBef>
+                <a:spcPts val="0"/>
+              </a:spcBef>
+              <a:spcAft>
+                <a:spcPts val="1200"/>
+              </a:spcAft>
+              <a:buNone/>
+            </a:pPr>
+            <a:r>
+              <a:rPr lang="en-US" dirty="0"/>
+              <a:t>[Improvement] Add triage entry to specific situations where vulnerability not appliable</a:t>
+            </a:r>
+          </a:p>
+          <a:p>
+            <a:pPr marL="0" lvl="0" indent="0" algn="l" rtl="0">
+              <a:spcBef>
+                <a:spcPts val="0"/>
+              </a:spcBef>
+              <a:spcAft>
+                <a:spcPts val="1200"/>
+              </a:spcAft>
+              <a:buNone/>
+            </a:pPr>
+            <a:r>
+              <a:rPr lang="en-US" dirty="0">
+                <a:hlinkClick r:id="rId4"/>
+              </a:rPr>
+              <a:t>https://github.com/OpenChain-Project/Security-Assurance-Specification/issues/29</a:t>
+            </a:r>
+            <a:r>
+              <a:rPr lang="en-US" dirty="0"/>
+              <a:t> </a:t>
+            </a:r>
+          </a:p>
+          <a:p>
+            <a:pPr marL="0" lvl="0" indent="0" algn="l" rtl="0">
+              <a:spcBef>
+                <a:spcPts val="0"/>
+              </a:spcBef>
+              <a:spcAft>
+                <a:spcPts val="1200"/>
+              </a:spcAft>
+              <a:buNone/>
+            </a:pPr>
+            <a:endParaRPr lang="en-US" dirty="0"/>
+          </a:p>
+          <a:p>
+            <a:pPr marL="0" lvl="0" indent="0" algn="l" rtl="0">
+              <a:spcBef>
+                <a:spcPts val="0"/>
+              </a:spcBef>
+              <a:spcAft>
+                <a:spcPts val="1200"/>
+              </a:spcAft>
+              <a:buNone/>
+            </a:pPr>
+            <a:r>
+              <a:rPr lang="en-US" dirty="0"/>
+              <a:t>[New Material] What is a quality or complete SBOM for licensing or security use cases?</a:t>
+            </a:r>
+          </a:p>
+          <a:p>
+            <a:pPr marL="0" lvl="0" indent="0" algn="l" rtl="0">
+              <a:spcBef>
+                <a:spcPts val="0"/>
+              </a:spcBef>
+              <a:spcAft>
+                <a:spcPts val="1200"/>
+              </a:spcAft>
+              <a:buNone/>
+            </a:pPr>
+            <a:r>
+              <a:rPr lang="en-US" dirty="0">
+                <a:hlinkClick r:id="rId5"/>
+              </a:rPr>
+              <a:t>https://github.com/OpenChain-Project/Security-Assurance-Specification/issues/32</a:t>
+            </a:r>
+            <a:r>
+              <a:rPr lang="en-US" dirty="0"/>
+              <a:t> </a:t>
+            </a:r>
+            <a:endParaRPr lang="en-JP" dirty="0"/>
+          </a:p>
+        </p:txBody>
+      </p:sp>
+    </p:spTree>
+    <p:extLst>
+      <p:ext uri="{BB962C8B-B14F-4D97-AF65-F5344CB8AC3E}">
+        <p14:creationId xmlns:p14="http://schemas.microsoft.com/office/powerpoint/2010/main" val="3454252263"/>
+      </p:ext>
+    </p:extLst>
+  </p:cSld>
+  <p:clrMapOvr>
+    <a:masterClrMapping/>
+  </p:clrMapOvr>
+</p:sld>
+</file>
+
+<file path=ppt/slides/slide15.xml><?xml version="1.0" encoding="utf-8"?>
 <p:sld xmlns:a="http://schemas.openxmlformats.org/drawingml/2006/main" xmlns:r="http://schemas.openxmlformats.org/officeDocument/2006/relationships" xmlns:p="http://schemas.openxmlformats.org/presentationml/2006/main">
   <p:cSld>
     <p:spTree>
@@ -7904,123 +7956,6 @@
     <p:extLst>
       <p:ext uri="{BB962C8B-B14F-4D97-AF65-F5344CB8AC3E}">
         <p14:creationId xmlns:p14="http://schemas.microsoft.com/office/powerpoint/2010/main" val="12832095"/>
-      </p:ext>
-    </p:extLst>
-  </p:cSld>
-  <p:clrMapOvr>
-    <a:masterClrMapping/>
-  </p:clrMapOvr>
-</p:sld>
-</file>
-
-<file path=ppt/slides/slide15.xml><?xml version="1.0" encoding="utf-8"?>
-<p:sld xmlns:a="http://schemas.openxmlformats.org/drawingml/2006/main" xmlns:r="http://schemas.openxmlformats.org/officeDocument/2006/relationships" xmlns:p="http://schemas.openxmlformats.org/presentationml/2006/main">
-  <p:cSld>
-    <p:spTree>
-      <p:nvGrpSpPr>
-        <p:cNvPr id="1" name="Shape 156"/>
-        <p:cNvGrpSpPr/>
-        <p:nvPr/>
-      </p:nvGrpSpPr>
-      <p:grpSpPr>
-        <a:xfrm>
-          <a:off x="0" y="0"/>
-          <a:ext cx="0" cy="0"/>
-          <a:chOff x="0" y="0"/>
-          <a:chExt cx="0" cy="0"/>
-        </a:xfrm>
-      </p:grpSpPr>
-      <p:sp>
-        <p:nvSpPr>
-          <p:cNvPr id="157" name="Google Shape;157;p25"/>
-          <p:cNvSpPr txBox="1">
-            <a:spLocks noGrp="1"/>
-          </p:cNvSpPr>
-          <p:nvPr>
-            <p:ph type="title"/>
-          </p:nvPr>
-        </p:nvSpPr>
-        <p:spPr>
-          <a:prstGeom prst="rect">
-            <a:avLst/>
-          </a:prstGeom>
-        </p:spPr>
-        <p:txBody>
-          <a:bodyPr spcFirstLastPara="1" wrap="square" lIns="91425" tIns="91425" rIns="91425" bIns="91425" anchor="t" anchorCtr="0">
-            <a:normAutofit fontScale="90000"/>
-          </a:bodyPr>
-          <a:lstStyle/>
-          <a:p>
-            <a:pPr marL="0" lvl="0" indent="0" algn="l" rtl="0">
-              <a:spcBef>
-                <a:spcPts val="0"/>
-              </a:spcBef>
-              <a:spcAft>
-                <a:spcPts val="0"/>
-              </a:spcAft>
-              <a:buNone/>
-            </a:pPr>
-            <a:r>
-              <a:rPr lang="en-US" dirty="0"/>
-              <a:t>OpenChain Education Study Group</a:t>
-            </a:r>
-            <a:endParaRPr dirty="0"/>
-          </a:p>
-        </p:txBody>
-      </p:sp>
-      <p:sp>
-        <p:nvSpPr>
-          <p:cNvPr id="2" name="Text Placeholder 1">
-            <a:extLst>
-              <a:ext uri="{FF2B5EF4-FFF2-40B4-BE49-F238E27FC236}">
-                <a16:creationId xmlns:a16="http://schemas.microsoft.com/office/drawing/2014/main" id="{DC74BFC9-0CAA-96ED-C62F-283510652636}"/>
-              </a:ext>
-            </a:extLst>
-          </p:cNvPr>
-          <p:cNvSpPr>
-            <a:spLocks noGrp="1"/>
-          </p:cNvSpPr>
-          <p:nvPr>
-            <p:ph type="body" idx="1"/>
-          </p:nvPr>
-        </p:nvSpPr>
-        <p:spPr/>
-        <p:txBody>
-          <a:bodyPr>
-            <a:normAutofit/>
-          </a:bodyPr>
-          <a:lstStyle/>
-          <a:p>
-            <a:pPr marL="114300" indent="0">
-              <a:buNone/>
-            </a:pPr>
-            <a:r>
-              <a:rPr lang="en-US" b="1" dirty="0"/>
-              <a:t>OpenChain Education Work Group Meeting – 2024-03-05 – Full Recording</a:t>
-            </a:r>
-          </a:p>
-          <a:p>
-            <a:pPr marL="114300" indent="0">
-              <a:buNone/>
-            </a:pPr>
-            <a:r>
-              <a:rPr lang="en-US" dirty="0">
-                <a:hlinkClick r:id="rId3"/>
-              </a:rPr>
-              <a:t>https://www.openchainproject.org/news/2024/03/07/openchain-education-work-group-meeting-2024-03-05-full-recording</a:t>
-            </a:r>
-            <a:r>
-              <a:rPr lang="en-US" b="1" dirty="0"/>
-              <a:t> </a:t>
-            </a:r>
-            <a:endParaRPr lang="en-US" dirty="0"/>
-          </a:p>
-        </p:txBody>
-      </p:sp>
-    </p:spTree>
-    <p:extLst>
-      <p:ext uri="{BB962C8B-B14F-4D97-AF65-F5344CB8AC3E}">
-        <p14:creationId xmlns:p14="http://schemas.microsoft.com/office/powerpoint/2010/main" val="1859896730"/>
       </p:ext>
     </p:extLst>
   </p:cSld>
@@ -8058,6 +7993,123 @@
           </p:nvPr>
         </p:nvSpPr>
         <p:spPr>
+          <a:prstGeom prst="rect">
+            <a:avLst/>
+          </a:prstGeom>
+        </p:spPr>
+        <p:txBody>
+          <a:bodyPr spcFirstLastPara="1" wrap="square" lIns="91425" tIns="91425" rIns="91425" bIns="91425" anchor="t" anchorCtr="0">
+            <a:normAutofit fontScale="90000"/>
+          </a:bodyPr>
+          <a:lstStyle/>
+          <a:p>
+            <a:pPr marL="0" lvl="0" indent="0" algn="l" rtl="0">
+              <a:spcBef>
+                <a:spcPts val="0"/>
+              </a:spcBef>
+              <a:spcAft>
+                <a:spcPts val="0"/>
+              </a:spcAft>
+              <a:buNone/>
+            </a:pPr>
+            <a:r>
+              <a:rPr lang="en-US" dirty="0"/>
+              <a:t>OpenChain Education Study Group</a:t>
+            </a:r>
+            <a:endParaRPr dirty="0"/>
+          </a:p>
+        </p:txBody>
+      </p:sp>
+      <p:sp>
+        <p:nvSpPr>
+          <p:cNvPr id="2" name="Text Placeholder 1">
+            <a:extLst>
+              <a:ext uri="{FF2B5EF4-FFF2-40B4-BE49-F238E27FC236}">
+                <a16:creationId xmlns:a16="http://schemas.microsoft.com/office/drawing/2014/main" id="{DC74BFC9-0CAA-96ED-C62F-283510652636}"/>
+              </a:ext>
+            </a:extLst>
+          </p:cNvPr>
+          <p:cNvSpPr>
+            <a:spLocks noGrp="1"/>
+          </p:cNvSpPr>
+          <p:nvPr>
+            <p:ph type="body" idx="1"/>
+          </p:nvPr>
+        </p:nvSpPr>
+        <p:spPr/>
+        <p:txBody>
+          <a:bodyPr>
+            <a:normAutofit/>
+          </a:bodyPr>
+          <a:lstStyle/>
+          <a:p>
+            <a:pPr marL="114300" indent="0">
+              <a:buNone/>
+            </a:pPr>
+            <a:r>
+              <a:rPr lang="en-US" b="1" dirty="0"/>
+              <a:t>OpenChain Education Work Group Meeting – 2024-03-05 – Full Recording</a:t>
+            </a:r>
+          </a:p>
+          <a:p>
+            <a:pPr marL="114300" indent="0">
+              <a:buNone/>
+            </a:pPr>
+            <a:r>
+              <a:rPr lang="en-US" dirty="0">
+                <a:hlinkClick r:id="rId3"/>
+              </a:rPr>
+              <a:t>https://www.openchainproject.org/news/2024/03/07/openchain-education-work-group-meeting-2024-03-05-full-recording</a:t>
+            </a:r>
+            <a:r>
+              <a:rPr lang="en-US" b="1" dirty="0"/>
+              <a:t> </a:t>
+            </a:r>
+            <a:endParaRPr lang="en-US" dirty="0"/>
+          </a:p>
+        </p:txBody>
+      </p:sp>
+    </p:spTree>
+    <p:extLst>
+      <p:ext uri="{BB962C8B-B14F-4D97-AF65-F5344CB8AC3E}">
+        <p14:creationId xmlns:p14="http://schemas.microsoft.com/office/powerpoint/2010/main" val="1859896730"/>
+      </p:ext>
+    </p:extLst>
+  </p:cSld>
+  <p:clrMapOvr>
+    <a:masterClrMapping/>
+  </p:clrMapOvr>
+</p:sld>
+</file>
+
+<file path=ppt/slides/slide17.xml><?xml version="1.0" encoding="utf-8"?>
+<p:sld xmlns:a="http://schemas.openxmlformats.org/drawingml/2006/main" xmlns:r="http://schemas.openxmlformats.org/officeDocument/2006/relationships" xmlns:p="http://schemas.openxmlformats.org/presentationml/2006/main">
+  <p:cSld>
+    <p:spTree>
+      <p:nvGrpSpPr>
+        <p:cNvPr id="1" name="Shape 156"/>
+        <p:cNvGrpSpPr/>
+        <p:nvPr/>
+      </p:nvGrpSpPr>
+      <p:grpSpPr>
+        <a:xfrm>
+          <a:off x="0" y="0"/>
+          <a:ext cx="0" cy="0"/>
+          <a:chOff x="0" y="0"/>
+          <a:chExt cx="0" cy="0"/>
+        </a:xfrm>
+      </p:grpSpPr>
+      <p:sp>
+        <p:nvSpPr>
+          <p:cNvPr id="157" name="Google Shape;157;p25"/>
+          <p:cNvSpPr txBox="1">
+            <a:spLocks noGrp="1"/>
+          </p:cNvSpPr>
+          <p:nvPr>
+            <p:ph type="title"/>
+          </p:nvPr>
+        </p:nvSpPr>
+        <p:spPr>
           <a:xfrm>
             <a:off x="311700" y="410000"/>
             <a:ext cx="8520600" cy="607800"/>
@@ -8204,78 +8256,6 @@
     <p:extLst>
       <p:ext uri="{BB962C8B-B14F-4D97-AF65-F5344CB8AC3E}">
         <p14:creationId xmlns:p14="http://schemas.microsoft.com/office/powerpoint/2010/main" val="3162429510"/>
-      </p:ext>
-    </p:extLst>
-  </p:cSld>
-  <p:clrMapOvr>
-    <a:masterClrMapping/>
-  </p:clrMapOvr>
-</p:sld>
-</file>
-
-<file path=ppt/slides/slide17.xml><?xml version="1.0" encoding="utf-8"?>
-<p:sld xmlns:a="http://schemas.openxmlformats.org/drawingml/2006/main" xmlns:r="http://schemas.openxmlformats.org/officeDocument/2006/relationships" xmlns:p="http://schemas.openxmlformats.org/presentationml/2006/main">
-  <p:cSld>
-    <p:spTree>
-      <p:nvGrpSpPr>
-        <p:cNvPr id="1" name="Shape 144"/>
-        <p:cNvGrpSpPr/>
-        <p:nvPr/>
-      </p:nvGrpSpPr>
-      <p:grpSpPr>
-        <a:xfrm>
-          <a:off x="0" y="0"/>
-          <a:ext cx="0" cy="0"/>
-          <a:chOff x="0" y="0"/>
-          <a:chExt cx="0" cy="0"/>
-        </a:xfrm>
-      </p:grpSpPr>
-      <p:sp>
-        <p:nvSpPr>
-          <p:cNvPr id="145" name="Google Shape;145;p23"/>
-          <p:cNvSpPr txBox="1">
-            <a:spLocks noGrp="1"/>
-          </p:cNvSpPr>
-          <p:nvPr>
-            <p:ph type="title"/>
-          </p:nvPr>
-        </p:nvSpPr>
-        <p:spPr>
-          <a:xfrm>
-            <a:off x="598100" y="2152347"/>
-            <a:ext cx="8222100" cy="838800"/>
-          </a:xfrm>
-          <a:prstGeom prst="rect">
-            <a:avLst/>
-          </a:prstGeom>
-        </p:spPr>
-        <p:txBody>
-          <a:bodyPr spcFirstLastPara="1" wrap="square" lIns="91425" tIns="91425" rIns="91425" bIns="91425" anchor="ctr" anchorCtr="0">
-            <a:normAutofit/>
-          </a:bodyPr>
-          <a:lstStyle/>
-          <a:p>
-            <a:pPr marL="0" lvl="0" indent="0" algn="l" rtl="0">
-              <a:spcBef>
-                <a:spcPts val="0"/>
-              </a:spcBef>
-              <a:spcAft>
-                <a:spcPts val="0"/>
-              </a:spcAft>
-              <a:buNone/>
-            </a:pPr>
-            <a:r>
-              <a:rPr lang="en-US" dirty="0"/>
-              <a:t>Any other business</a:t>
-            </a:r>
-            <a:endParaRPr dirty="0"/>
-          </a:p>
-        </p:txBody>
-      </p:sp>
-    </p:spTree>
-    <p:extLst>
-      <p:ext uri="{BB962C8B-B14F-4D97-AF65-F5344CB8AC3E}">
-        <p14:creationId xmlns:p14="http://schemas.microsoft.com/office/powerpoint/2010/main" val="2218779714"/>
       </p:ext>
     </p:extLst>
   </p:cSld>
@@ -8338,6 +8318,78 @@
             </a:pPr>
             <a:r>
               <a:rPr lang="en-US" dirty="0"/>
+              <a:t>Any other business</a:t>
+            </a:r>
+            <a:endParaRPr dirty="0"/>
+          </a:p>
+        </p:txBody>
+      </p:sp>
+    </p:spTree>
+    <p:extLst>
+      <p:ext uri="{BB962C8B-B14F-4D97-AF65-F5344CB8AC3E}">
+        <p14:creationId xmlns:p14="http://schemas.microsoft.com/office/powerpoint/2010/main" val="2218779714"/>
+      </p:ext>
+    </p:extLst>
+  </p:cSld>
+  <p:clrMapOvr>
+    <a:masterClrMapping/>
+  </p:clrMapOvr>
+</p:sld>
+</file>
+
+<file path=ppt/slides/slide19.xml><?xml version="1.0" encoding="utf-8"?>
+<p:sld xmlns:a="http://schemas.openxmlformats.org/drawingml/2006/main" xmlns:r="http://schemas.openxmlformats.org/officeDocument/2006/relationships" xmlns:p="http://schemas.openxmlformats.org/presentationml/2006/main">
+  <p:cSld>
+    <p:spTree>
+      <p:nvGrpSpPr>
+        <p:cNvPr id="1" name="Shape 144"/>
+        <p:cNvGrpSpPr/>
+        <p:nvPr/>
+      </p:nvGrpSpPr>
+      <p:grpSpPr>
+        <a:xfrm>
+          <a:off x="0" y="0"/>
+          <a:ext cx="0" cy="0"/>
+          <a:chOff x="0" y="0"/>
+          <a:chExt cx="0" cy="0"/>
+        </a:xfrm>
+      </p:grpSpPr>
+      <p:sp>
+        <p:nvSpPr>
+          <p:cNvPr id="145" name="Google Shape;145;p23"/>
+          <p:cNvSpPr txBox="1">
+            <a:spLocks noGrp="1"/>
+          </p:cNvSpPr>
+          <p:nvPr>
+            <p:ph type="title"/>
+          </p:nvPr>
+        </p:nvSpPr>
+        <p:spPr>
+          <a:xfrm>
+            <a:off x="598100" y="2152347"/>
+            <a:ext cx="8222100" cy="838800"/>
+          </a:xfrm>
+          <a:prstGeom prst="rect">
+            <a:avLst/>
+          </a:prstGeom>
+        </p:spPr>
+        <p:txBody>
+          <a:bodyPr spcFirstLastPara="1" wrap="square" lIns="91425" tIns="91425" rIns="91425" bIns="91425" anchor="ctr" anchorCtr="0">
+            <a:normAutofit/>
+          </a:bodyPr>
+          <a:lstStyle/>
+          <a:p>
+            <a:pPr marL="0" lvl="0" indent="0" algn="l" rtl="0">
+              <a:spcBef>
+                <a:spcPts val="0"/>
+              </a:spcBef>
+              <a:spcAft>
+                <a:spcPts val="0"/>
+              </a:spcAft>
+              <a:buNone/>
+            </a:pPr>
+            <a:r>
+              <a:rPr lang="en-US" dirty="0"/>
               <a:t>Close of meeting</a:t>
             </a:r>
             <a:endParaRPr dirty="0"/>
@@ -8357,7 +8409,183 @@
 </p:sld>
 </file>
 
-<file path=ppt/slides/slide19.xml><?xml version="1.0" encoding="utf-8"?>
+<file path=ppt/slides/slide2.xml><?xml version="1.0" encoding="utf-8"?>
+<p:sld xmlns:a="http://schemas.openxmlformats.org/drawingml/2006/main" xmlns:r="http://schemas.openxmlformats.org/officeDocument/2006/relationships" xmlns:p="http://schemas.openxmlformats.org/presentationml/2006/main">
+  <p:cSld>
+    <p:spTree>
+      <p:nvGrpSpPr>
+        <p:cNvPr id="1" name="Shape 156"/>
+        <p:cNvGrpSpPr/>
+        <p:nvPr/>
+      </p:nvGrpSpPr>
+      <p:grpSpPr>
+        <a:xfrm>
+          <a:off x="0" y="0"/>
+          <a:ext cx="0" cy="0"/>
+          <a:chOff x="0" y="0"/>
+          <a:chExt cx="0" cy="0"/>
+        </a:xfrm>
+      </p:grpSpPr>
+      <p:sp>
+        <p:nvSpPr>
+          <p:cNvPr id="157" name="Google Shape;157;p25"/>
+          <p:cNvSpPr txBox="1">
+            <a:spLocks noGrp="1"/>
+          </p:cNvSpPr>
+          <p:nvPr>
+            <p:ph type="title"/>
+          </p:nvPr>
+        </p:nvSpPr>
+        <p:spPr>
+          <a:xfrm>
+            <a:off x="311700" y="410000"/>
+            <a:ext cx="8520600" cy="607800"/>
+          </a:xfrm>
+          <a:prstGeom prst="rect">
+            <a:avLst/>
+          </a:prstGeom>
+        </p:spPr>
+        <p:txBody>
+          <a:bodyPr spcFirstLastPara="1" wrap="square" lIns="91425" tIns="91425" rIns="91425" bIns="91425" anchor="t" anchorCtr="0">
+            <a:normAutofit fontScale="90000"/>
+          </a:bodyPr>
+          <a:lstStyle/>
+          <a:p>
+            <a:pPr marL="0" lvl="0" indent="0" algn="l" rtl="0">
+              <a:spcBef>
+                <a:spcPts val="0"/>
+              </a:spcBef>
+              <a:spcAft>
+                <a:spcPts val="0"/>
+              </a:spcAft>
+              <a:buNone/>
+            </a:pPr>
+            <a:r>
+              <a:rPr lang="en-US" dirty="0"/>
+              <a:t>Anti-Trust Policy Notice</a:t>
+            </a:r>
+            <a:endParaRPr dirty="0"/>
+          </a:p>
+        </p:txBody>
+      </p:sp>
+      <p:sp>
+        <p:nvSpPr>
+          <p:cNvPr id="158" name="Google Shape;158;p25"/>
+          <p:cNvSpPr txBox="1">
+            <a:spLocks noGrp="1"/>
+          </p:cNvSpPr>
+          <p:nvPr>
+            <p:ph type="body" idx="1"/>
+          </p:nvPr>
+        </p:nvSpPr>
+        <p:spPr>
+          <a:xfrm>
+            <a:off x="280350" y="1266450"/>
+            <a:ext cx="8520600" cy="3339000"/>
+          </a:xfrm>
+          <a:prstGeom prst="rect">
+            <a:avLst/>
+          </a:prstGeom>
+        </p:spPr>
+        <p:txBody>
+          <a:bodyPr spcFirstLastPara="1" wrap="square" lIns="91425" tIns="91425" rIns="91425" bIns="91425" anchor="t" anchorCtr="0">
+            <a:normAutofit fontScale="85000" lnSpcReduction="10000"/>
+          </a:bodyPr>
+          <a:lstStyle/>
+          <a:p>
+            <a:pPr marL="285750" indent="-285750">
+              <a:spcAft>
+                <a:spcPts val="1200"/>
+              </a:spcAft>
+            </a:pPr>
+            <a:r>
+              <a:rPr lang="en-US" dirty="0"/>
+              <a:t>Linux Foundation meetings involve participation by industry competitors, and it is the intention of the Linux Foundation to conduct all of its activities in accordance with applicable antitrust and competition laws. It is therefore extremely important that attendees adhere to meeting agendas, and be aware of, and not participate in, any activities that are prohibited under applicable US state, federal or foreign antitrust and competition laws.</a:t>
+            </a:r>
+          </a:p>
+          <a:p>
+            <a:pPr marL="285750" indent="-285750">
+              <a:spcAft>
+                <a:spcPts val="1200"/>
+              </a:spcAft>
+            </a:pPr>
+            <a:r>
+              <a:rPr lang="en-US" dirty="0"/>
+              <a:t> Examples of types of actions that are prohibited at Linux Foundation meetings and in connection with Linux Foundation activities are described in the Linux Foundation Antitrust Policy available at http://</a:t>
+            </a:r>
+            <a:r>
+              <a:rPr lang="en-US" dirty="0" err="1"/>
+              <a:t>www.linuxfoundation.org</a:t>
+            </a:r>
+            <a:r>
+              <a:rPr lang="en-US" dirty="0"/>
+              <a:t>/antitrust-policy. If you have questions about these matters, please contact your company counsel, or if you are a member of the Linux Foundation, feel free to contact Andrew </a:t>
+            </a:r>
+            <a:r>
+              <a:rPr lang="en-US" dirty="0" err="1"/>
+              <a:t>Updegrove</a:t>
+            </a:r>
+            <a:r>
+              <a:rPr lang="en-US" dirty="0"/>
+              <a:t> of the firm of </a:t>
+            </a:r>
+            <a:r>
+              <a:rPr lang="en-US" dirty="0" err="1"/>
+              <a:t>Gesmer</a:t>
+            </a:r>
+            <a:r>
+              <a:rPr lang="en-US" dirty="0"/>
+              <a:t> </a:t>
+            </a:r>
+            <a:r>
+              <a:rPr lang="en-US" dirty="0" err="1"/>
+              <a:t>Updegrove</a:t>
+            </a:r>
+            <a:r>
+              <a:rPr lang="en-US" dirty="0"/>
+              <a:t> LLP, which provides legal counsel to the Linux Foundation.</a:t>
+            </a:r>
+          </a:p>
+          <a:p>
+            <a:pPr marL="0" lvl="0" indent="0" algn="l" rtl="0">
+              <a:spcBef>
+                <a:spcPts val="0"/>
+              </a:spcBef>
+              <a:spcAft>
+                <a:spcPts val="1200"/>
+              </a:spcAft>
+              <a:buNone/>
+            </a:pPr>
+            <a:endParaRPr lang="en-US" dirty="0"/>
+          </a:p>
+          <a:p>
+            <a:pPr marL="0" lvl="0" indent="0" algn="l" rtl="0">
+              <a:spcBef>
+                <a:spcPts val="0"/>
+              </a:spcBef>
+              <a:spcAft>
+                <a:spcPts val="1200"/>
+              </a:spcAft>
+              <a:buNone/>
+            </a:pPr>
+            <a:endParaRPr dirty="0"/>
+          </a:p>
+        </p:txBody>
+      </p:sp>
+    </p:spTree>
+    <p:extLst>
+      <p:ext uri="{BB962C8B-B14F-4D97-AF65-F5344CB8AC3E}">
+        <p14:creationId xmlns:p14="http://schemas.microsoft.com/office/powerpoint/2010/main" val="1226033584"/>
+      </p:ext>
+    </p:extLst>
+  </p:cSld>
+  <p:clrMapOvr>
+    <a:masterClrMapping/>
+  </p:clrMapOvr>
+</p:sld>
+</file>
+
+<file path=ppt/slides/slide20.xml><?xml version="1.0" encoding="utf-8"?>
 <p:sld xmlns:a="http://schemas.openxmlformats.org/drawingml/2006/main" xmlns:r="http://schemas.openxmlformats.org/officeDocument/2006/relationships" xmlns:p="http://schemas.openxmlformats.org/presentationml/2006/main">
   <p:cSld>
     <p:spTree>
@@ -8403,182 +8631,6 @@
         </p:txBody>
       </p:sp>
     </p:spTree>
-  </p:cSld>
-  <p:clrMapOvr>
-    <a:masterClrMapping/>
-  </p:clrMapOvr>
-</p:sld>
-</file>
-
-<file path=ppt/slides/slide2.xml><?xml version="1.0" encoding="utf-8"?>
-<p:sld xmlns:a="http://schemas.openxmlformats.org/drawingml/2006/main" xmlns:r="http://schemas.openxmlformats.org/officeDocument/2006/relationships" xmlns:p="http://schemas.openxmlformats.org/presentationml/2006/main">
-  <p:cSld>
-    <p:spTree>
-      <p:nvGrpSpPr>
-        <p:cNvPr id="1" name="Shape 156"/>
-        <p:cNvGrpSpPr/>
-        <p:nvPr/>
-      </p:nvGrpSpPr>
-      <p:grpSpPr>
-        <a:xfrm>
-          <a:off x="0" y="0"/>
-          <a:ext cx="0" cy="0"/>
-          <a:chOff x="0" y="0"/>
-          <a:chExt cx="0" cy="0"/>
-        </a:xfrm>
-      </p:grpSpPr>
-      <p:sp>
-        <p:nvSpPr>
-          <p:cNvPr id="157" name="Google Shape;157;p25"/>
-          <p:cNvSpPr txBox="1">
-            <a:spLocks noGrp="1"/>
-          </p:cNvSpPr>
-          <p:nvPr>
-            <p:ph type="title"/>
-          </p:nvPr>
-        </p:nvSpPr>
-        <p:spPr>
-          <a:xfrm>
-            <a:off x="311700" y="410000"/>
-            <a:ext cx="8520600" cy="607800"/>
-          </a:xfrm>
-          <a:prstGeom prst="rect">
-            <a:avLst/>
-          </a:prstGeom>
-        </p:spPr>
-        <p:txBody>
-          <a:bodyPr spcFirstLastPara="1" wrap="square" lIns="91425" tIns="91425" rIns="91425" bIns="91425" anchor="t" anchorCtr="0">
-            <a:normAutofit fontScale="90000"/>
-          </a:bodyPr>
-          <a:lstStyle/>
-          <a:p>
-            <a:pPr marL="0" lvl="0" indent="0" algn="l" rtl="0">
-              <a:spcBef>
-                <a:spcPts val="0"/>
-              </a:spcBef>
-              <a:spcAft>
-                <a:spcPts val="0"/>
-              </a:spcAft>
-              <a:buNone/>
-            </a:pPr>
-            <a:r>
-              <a:rPr lang="en-US" dirty="0"/>
-              <a:t>Anti-Trust Policy Notice</a:t>
-            </a:r>
-            <a:endParaRPr dirty="0"/>
-          </a:p>
-        </p:txBody>
-      </p:sp>
-      <p:sp>
-        <p:nvSpPr>
-          <p:cNvPr id="158" name="Google Shape;158;p25"/>
-          <p:cNvSpPr txBox="1">
-            <a:spLocks noGrp="1"/>
-          </p:cNvSpPr>
-          <p:nvPr>
-            <p:ph type="body" idx="1"/>
-          </p:nvPr>
-        </p:nvSpPr>
-        <p:spPr>
-          <a:xfrm>
-            <a:off x="280350" y="1266450"/>
-            <a:ext cx="8520600" cy="3339000"/>
-          </a:xfrm>
-          <a:prstGeom prst="rect">
-            <a:avLst/>
-          </a:prstGeom>
-        </p:spPr>
-        <p:txBody>
-          <a:bodyPr spcFirstLastPara="1" wrap="square" lIns="91425" tIns="91425" rIns="91425" bIns="91425" anchor="t" anchorCtr="0">
-            <a:normAutofit fontScale="85000" lnSpcReduction="10000"/>
-          </a:bodyPr>
-          <a:lstStyle/>
-          <a:p>
-            <a:pPr marL="285750" indent="-285750">
-              <a:spcAft>
-                <a:spcPts val="1200"/>
-              </a:spcAft>
-            </a:pPr>
-            <a:r>
-              <a:rPr lang="en-US" dirty="0"/>
-              <a:t>Linux Foundation meetings involve participation by industry competitors, and it is the intention of the Linux Foundation to conduct all of its activities in accordance with applicable antitrust and competition laws. It is therefore extremely important that attendees adhere to meeting agendas, and be aware of, and not participate in, any activities that are prohibited under applicable US state, federal or foreign antitrust and competition laws.</a:t>
-            </a:r>
-          </a:p>
-          <a:p>
-            <a:pPr marL="285750" indent="-285750">
-              <a:spcAft>
-                <a:spcPts val="1200"/>
-              </a:spcAft>
-            </a:pPr>
-            <a:r>
-              <a:rPr lang="en-US" dirty="0"/>
-              <a:t> Examples of types of actions that are prohibited at Linux Foundation meetings and in connection with Linux Foundation activities are described in the Linux Foundation Antitrust Policy available at http://</a:t>
-            </a:r>
-            <a:r>
-              <a:rPr lang="en-US" dirty="0" err="1"/>
-              <a:t>www.linuxfoundation.org</a:t>
-            </a:r>
-            <a:r>
-              <a:rPr lang="en-US" dirty="0"/>
-              <a:t>/antitrust-policy. If you have questions about these matters, please contact your company counsel, or if you are a member of the Linux Foundation, feel free to contact Andrew </a:t>
-            </a:r>
-            <a:r>
-              <a:rPr lang="en-US" dirty="0" err="1"/>
-              <a:t>Updegrove</a:t>
-            </a:r>
-            <a:r>
-              <a:rPr lang="en-US" dirty="0"/>
-              <a:t> of the firm of </a:t>
-            </a:r>
-            <a:r>
-              <a:rPr lang="en-US" dirty="0" err="1"/>
-              <a:t>Gesmer</a:t>
-            </a:r>
-            <a:r>
-              <a:rPr lang="en-US" dirty="0"/>
-              <a:t> </a:t>
-            </a:r>
-            <a:r>
-              <a:rPr lang="en-US" dirty="0" err="1"/>
-              <a:t>Updegrove</a:t>
-            </a:r>
-            <a:r>
-              <a:rPr lang="en-US" dirty="0"/>
-              <a:t> LLP, which provides legal counsel to the Linux Foundation.</a:t>
-            </a:r>
-          </a:p>
-          <a:p>
-            <a:pPr marL="0" lvl="0" indent="0" algn="l" rtl="0">
-              <a:spcBef>
-                <a:spcPts val="0"/>
-              </a:spcBef>
-              <a:spcAft>
-                <a:spcPts val="1200"/>
-              </a:spcAft>
-              <a:buNone/>
-            </a:pPr>
-            <a:endParaRPr lang="en-US" dirty="0"/>
-          </a:p>
-          <a:p>
-            <a:pPr marL="0" lvl="0" indent="0" algn="l" rtl="0">
-              <a:spcBef>
-                <a:spcPts val="0"/>
-              </a:spcBef>
-              <a:spcAft>
-                <a:spcPts val="1200"/>
-              </a:spcAft>
-              <a:buNone/>
-            </a:pPr>
-            <a:endParaRPr dirty="0"/>
-          </a:p>
-        </p:txBody>
-      </p:sp>
-    </p:spTree>
-    <p:extLst>
-      <p:ext uri="{BB962C8B-B14F-4D97-AF65-F5344CB8AC3E}">
-        <p14:creationId xmlns:p14="http://schemas.microsoft.com/office/powerpoint/2010/main" val="1226033584"/>
-      </p:ext>
-    </p:extLst>
   </p:cSld>
   <p:clrMapOvr>
     <a:masterClrMapping/>

--- a/Slides/OpenChain-Monthly-Meeting-2024-03-19.pptx
+++ b/Slides/OpenChain-Monthly-Meeting-2024-03-19.pptx
@@ -5,7 +5,7 @@
     <p:sldMasterId id="2147483664" r:id="rId1"/>
   </p:sldMasterIdLst>
   <p:notesMasterIdLst>
-    <p:notesMasterId r:id="rId22"/>
+    <p:notesMasterId r:id="rId21"/>
   </p:notesMasterIdLst>
   <p:sldIdLst>
     <p:sldId id="257" r:id="rId2"/>
@@ -21,13 +21,12 @@
     <p:sldId id="275" r:id="rId12"/>
     <p:sldId id="638" r:id="rId13"/>
     <p:sldId id="284" r:id="rId14"/>
-    <p:sldId id="633" r:id="rId15"/>
-    <p:sldId id="276" r:id="rId16"/>
-    <p:sldId id="639" r:id="rId17"/>
-    <p:sldId id="285" r:id="rId18"/>
-    <p:sldId id="278" r:id="rId19"/>
-    <p:sldId id="279" r:id="rId20"/>
-    <p:sldId id="267" r:id="rId21"/>
+    <p:sldId id="276" r:id="rId15"/>
+    <p:sldId id="639" r:id="rId16"/>
+    <p:sldId id="285" r:id="rId17"/>
+    <p:sldId id="278" r:id="rId18"/>
+    <p:sldId id="279" r:id="rId19"/>
+    <p:sldId id="267" r:id="rId20"/>
   </p:sldIdLst>
   <p:sldSz cx="9144000" cy="5143500" type="screen16x9"/>
   <p:notesSz cx="6858000" cy="9144000"/>
@@ -1265,6 +1264,115 @@
   <p:cSld>
     <p:spTree>
       <p:nvGrpSpPr>
+        <p:cNvPr id="1" name="Shape 141"/>
+        <p:cNvGrpSpPr/>
+        <p:nvPr/>
+      </p:nvGrpSpPr>
+      <p:grpSpPr>
+        <a:xfrm>
+          <a:off x="0" y="0"/>
+          <a:ext cx="0" cy="0"/>
+          <a:chOff x="0" y="0"/>
+          <a:chExt cx="0" cy="0"/>
+        </a:xfrm>
+      </p:grpSpPr>
+      <p:sp>
+        <p:nvSpPr>
+          <p:cNvPr id="142" name="Google Shape;142;g146cbe31ecc_0_96:notes"/>
+          <p:cNvSpPr>
+            <a:spLocks noGrp="1" noRot="1" noChangeAspect="1"/>
+          </p:cNvSpPr>
+          <p:nvPr>
+            <p:ph type="sldImg" idx="2"/>
+          </p:nvPr>
+        </p:nvSpPr>
+        <p:spPr>
+          <a:xfrm>
+            <a:off x="381000" y="685800"/>
+            <a:ext cx="6096000" cy="3429000"/>
+          </a:xfrm>
+          <a:custGeom>
+            <a:avLst/>
+            <a:gdLst/>
+            <a:ahLst/>
+            <a:cxnLst/>
+            <a:rect l="l" t="t" r="r" b="b"/>
+            <a:pathLst>
+              <a:path w="120000" h="120000" extrusionOk="0">
+                <a:moveTo>
+                  <a:pt x="0" y="0"/>
+                </a:moveTo>
+                <a:lnTo>
+                  <a:pt x="120000" y="0"/>
+                </a:lnTo>
+                <a:lnTo>
+                  <a:pt x="120000" y="120000"/>
+                </a:lnTo>
+                <a:lnTo>
+                  <a:pt x="0" y="120000"/>
+                </a:lnTo>
+                <a:close/>
+              </a:path>
+            </a:pathLst>
+          </a:custGeom>
+        </p:spPr>
+      </p:sp>
+      <p:sp>
+        <p:nvSpPr>
+          <p:cNvPr id="143" name="Google Shape;143;g146cbe31ecc_0_96:notes"/>
+          <p:cNvSpPr txBox="1">
+            <a:spLocks noGrp="1"/>
+          </p:cNvSpPr>
+          <p:nvPr>
+            <p:ph type="body" idx="1"/>
+          </p:nvPr>
+        </p:nvSpPr>
+        <p:spPr>
+          <a:xfrm>
+            <a:off x="685800" y="4343400"/>
+            <a:ext cx="5486400" cy="4114800"/>
+          </a:xfrm>
+          <a:prstGeom prst="rect">
+            <a:avLst/>
+          </a:prstGeom>
+        </p:spPr>
+        <p:txBody>
+          <a:bodyPr spcFirstLastPara="1" wrap="square" lIns="91425" tIns="91425" rIns="91425" bIns="91425" anchor="t" anchorCtr="0">
+            <a:noAutofit/>
+          </a:bodyPr>
+          <a:lstStyle/>
+          <a:p>
+            <a:pPr marL="0" lvl="0" indent="0" algn="l" rtl="0">
+              <a:spcBef>
+                <a:spcPts val="0"/>
+              </a:spcBef>
+              <a:spcAft>
+                <a:spcPts val="0"/>
+              </a:spcAft>
+              <a:buNone/>
+            </a:pPr>
+            <a:endParaRPr/>
+          </a:p>
+        </p:txBody>
+      </p:sp>
+    </p:spTree>
+    <p:extLst>
+      <p:ext uri="{BB962C8B-B14F-4D97-AF65-F5344CB8AC3E}">
+        <p14:creationId xmlns:p14="http://schemas.microsoft.com/office/powerpoint/2010/main" val="1233311338"/>
+      </p:ext>
+    </p:extLst>
+  </p:cSld>
+  <p:clrMapOvr>
+    <a:masterClrMapping/>
+  </p:clrMapOvr>
+</p:notes>
+</file>
+
+<file path=ppt/notesSlides/notesSlide15.xml><?xml version="1.0" encoding="utf-8"?>
+<p:notes xmlns:a="http://schemas.openxmlformats.org/drawingml/2006/main" xmlns:r="http://schemas.openxmlformats.org/officeDocument/2006/relationships" xmlns:p="http://schemas.openxmlformats.org/presentationml/2006/main" showMasterSp="0" showMasterPhAnim="0">
+  <p:cSld>
+    <p:spTree>
+      <p:nvGrpSpPr>
         <p:cNvPr id="1" name="Shape 153"/>
         <p:cNvGrpSpPr/>
         <p:nvPr/>
@@ -1359,116 +1467,7 @@
     </p:spTree>
     <p:extLst>
       <p:ext uri="{BB962C8B-B14F-4D97-AF65-F5344CB8AC3E}">
-        <p14:creationId xmlns:p14="http://schemas.microsoft.com/office/powerpoint/2010/main" val="205296546"/>
-      </p:ext>
-    </p:extLst>
-  </p:cSld>
-  <p:clrMapOvr>
-    <a:masterClrMapping/>
-  </p:clrMapOvr>
-</p:notes>
-</file>
-
-<file path=ppt/notesSlides/notesSlide15.xml><?xml version="1.0" encoding="utf-8"?>
-<p:notes xmlns:a="http://schemas.openxmlformats.org/drawingml/2006/main" xmlns:r="http://schemas.openxmlformats.org/officeDocument/2006/relationships" xmlns:p="http://schemas.openxmlformats.org/presentationml/2006/main" showMasterSp="0" showMasterPhAnim="0">
-  <p:cSld>
-    <p:spTree>
-      <p:nvGrpSpPr>
-        <p:cNvPr id="1" name="Shape 141"/>
-        <p:cNvGrpSpPr/>
-        <p:nvPr/>
-      </p:nvGrpSpPr>
-      <p:grpSpPr>
-        <a:xfrm>
-          <a:off x="0" y="0"/>
-          <a:ext cx="0" cy="0"/>
-          <a:chOff x="0" y="0"/>
-          <a:chExt cx="0" cy="0"/>
-        </a:xfrm>
-      </p:grpSpPr>
-      <p:sp>
-        <p:nvSpPr>
-          <p:cNvPr id="142" name="Google Shape;142;g146cbe31ecc_0_96:notes"/>
-          <p:cNvSpPr>
-            <a:spLocks noGrp="1" noRot="1" noChangeAspect="1"/>
-          </p:cNvSpPr>
-          <p:nvPr>
-            <p:ph type="sldImg" idx="2"/>
-          </p:nvPr>
-        </p:nvSpPr>
-        <p:spPr>
-          <a:xfrm>
-            <a:off x="381000" y="685800"/>
-            <a:ext cx="6096000" cy="3429000"/>
-          </a:xfrm>
-          <a:custGeom>
-            <a:avLst/>
-            <a:gdLst/>
-            <a:ahLst/>
-            <a:cxnLst/>
-            <a:rect l="l" t="t" r="r" b="b"/>
-            <a:pathLst>
-              <a:path w="120000" h="120000" extrusionOk="0">
-                <a:moveTo>
-                  <a:pt x="0" y="0"/>
-                </a:moveTo>
-                <a:lnTo>
-                  <a:pt x="120000" y="0"/>
-                </a:lnTo>
-                <a:lnTo>
-                  <a:pt x="120000" y="120000"/>
-                </a:lnTo>
-                <a:lnTo>
-                  <a:pt x="0" y="120000"/>
-                </a:lnTo>
-                <a:close/>
-              </a:path>
-            </a:pathLst>
-          </a:custGeom>
-        </p:spPr>
-      </p:sp>
-      <p:sp>
-        <p:nvSpPr>
-          <p:cNvPr id="143" name="Google Shape;143;g146cbe31ecc_0_96:notes"/>
-          <p:cNvSpPr txBox="1">
-            <a:spLocks noGrp="1"/>
-          </p:cNvSpPr>
-          <p:nvPr>
-            <p:ph type="body" idx="1"/>
-          </p:nvPr>
-        </p:nvSpPr>
-        <p:spPr>
-          <a:xfrm>
-            <a:off x="685800" y="4343400"/>
-            <a:ext cx="5486400" cy="4114800"/>
-          </a:xfrm>
-          <a:prstGeom prst="rect">
-            <a:avLst/>
-          </a:prstGeom>
-        </p:spPr>
-        <p:txBody>
-          <a:bodyPr spcFirstLastPara="1" wrap="square" lIns="91425" tIns="91425" rIns="91425" bIns="91425" anchor="t" anchorCtr="0">
-            <a:noAutofit/>
-          </a:bodyPr>
-          <a:lstStyle/>
-          <a:p>
-            <a:pPr marL="0" lvl="0" indent="0" algn="l" rtl="0">
-              <a:spcBef>
-                <a:spcPts val="0"/>
-              </a:spcBef>
-              <a:spcAft>
-                <a:spcPts val="0"/>
-              </a:spcAft>
-              <a:buNone/>
-            </a:pPr>
-            <a:endParaRPr/>
-          </a:p>
-        </p:txBody>
-      </p:sp>
-    </p:spTree>
-    <p:extLst>
-      <p:ext uri="{BB962C8B-B14F-4D97-AF65-F5344CB8AC3E}">
-        <p14:creationId xmlns:p14="http://schemas.microsoft.com/office/powerpoint/2010/main" val="1233311338"/>
+        <p14:creationId xmlns:p14="http://schemas.microsoft.com/office/powerpoint/2010/main" val="252778259"/>
       </p:ext>
     </p:extLst>
   </p:cSld>
@@ -1577,7 +1576,7 @@
     </p:spTree>
     <p:extLst>
       <p:ext uri="{BB962C8B-B14F-4D97-AF65-F5344CB8AC3E}">
-        <p14:creationId xmlns:p14="http://schemas.microsoft.com/office/powerpoint/2010/main" val="252778259"/>
+        <p14:creationId xmlns:p14="http://schemas.microsoft.com/office/powerpoint/2010/main" val="3498927726"/>
       </p:ext>
     </p:extLst>
   </p:cSld>
@@ -1592,7 +1591,7 @@
   <p:cSld>
     <p:spTree>
       <p:nvGrpSpPr>
-        <p:cNvPr id="1" name="Shape 153"/>
+        <p:cNvPr id="1" name="Shape 141"/>
         <p:cNvGrpSpPr/>
         <p:nvPr/>
       </p:nvGrpSpPr>
@@ -1606,7 +1605,7 @@
       </p:grpSpPr>
       <p:sp>
         <p:nvSpPr>
-          <p:cNvPr id="154" name="Google Shape;154;g146cbe31ecc_0_86:notes"/>
+          <p:cNvPr id="142" name="Google Shape;142;g146cbe31ecc_0_96:notes"/>
           <p:cNvSpPr>
             <a:spLocks noGrp="1" noRot="1" noChangeAspect="1"/>
           </p:cNvSpPr>
@@ -1647,7 +1646,7 @@
       </p:sp>
       <p:sp>
         <p:nvSpPr>
-          <p:cNvPr id="155" name="Google Shape;155;g146cbe31ecc_0_86:notes"/>
+          <p:cNvPr id="143" name="Google Shape;143;g146cbe31ecc_0_96:notes"/>
           <p:cNvSpPr txBox="1">
             <a:spLocks noGrp="1"/>
           </p:cNvSpPr>
@@ -1686,7 +1685,7 @@
     </p:spTree>
     <p:extLst>
       <p:ext uri="{BB962C8B-B14F-4D97-AF65-F5344CB8AC3E}">
-        <p14:creationId xmlns:p14="http://schemas.microsoft.com/office/powerpoint/2010/main" val="3498927726"/>
+        <p14:creationId xmlns:p14="http://schemas.microsoft.com/office/powerpoint/2010/main" val="4066291479"/>
       </p:ext>
     </p:extLst>
   </p:cSld>
@@ -1795,7 +1794,7 @@
     </p:spTree>
     <p:extLst>
       <p:ext uri="{BB962C8B-B14F-4D97-AF65-F5344CB8AC3E}">
-        <p14:creationId xmlns:p14="http://schemas.microsoft.com/office/powerpoint/2010/main" val="4066291479"/>
+        <p14:creationId xmlns:p14="http://schemas.microsoft.com/office/powerpoint/2010/main" val="1623051584"/>
       </p:ext>
     </p:extLst>
   </p:cSld>
@@ -1810,7 +1809,7 @@
   <p:cSld>
     <p:spTree>
       <p:nvGrpSpPr>
-        <p:cNvPr id="1" name="Shape 141"/>
+        <p:cNvPr id="1" name="Shape 177"/>
         <p:cNvGrpSpPr/>
         <p:nvPr/>
       </p:nvGrpSpPr>
@@ -1824,7 +1823,7 @@
       </p:grpSpPr>
       <p:sp>
         <p:nvSpPr>
-          <p:cNvPr id="142" name="Google Shape;142;g146cbe31ecc_0_96:notes"/>
+          <p:cNvPr id="178" name="Google Shape;178;g144aaa0767c_0_104:notes"/>
           <p:cNvSpPr>
             <a:spLocks noGrp="1" noRot="1" noChangeAspect="1"/>
           </p:cNvSpPr>
@@ -1865,7 +1864,7 @@
       </p:sp>
       <p:sp>
         <p:nvSpPr>
-          <p:cNvPr id="143" name="Google Shape;143;g146cbe31ecc_0_96:notes"/>
+          <p:cNvPr id="179" name="Google Shape;179;g144aaa0767c_0_104:notes"/>
           <p:cNvSpPr txBox="1">
             <a:spLocks noGrp="1"/>
           </p:cNvSpPr>
@@ -1902,11 +1901,6 @@
         </p:txBody>
       </p:sp>
     </p:spTree>
-    <p:extLst>
-      <p:ext uri="{BB962C8B-B14F-4D97-AF65-F5344CB8AC3E}">
-        <p14:creationId xmlns:p14="http://schemas.microsoft.com/office/powerpoint/2010/main" val="1623051584"/>
-      </p:ext>
-    </p:extLst>
   </p:cSld>
   <p:clrMapOvr>
     <a:masterClrMapping/>
@@ -2016,110 +2010,6 @@
         <p14:creationId xmlns:p14="http://schemas.microsoft.com/office/powerpoint/2010/main" val="794628929"/>
       </p:ext>
     </p:extLst>
-  </p:cSld>
-  <p:clrMapOvr>
-    <a:masterClrMapping/>
-  </p:clrMapOvr>
-</p:notes>
-</file>
-
-<file path=ppt/notesSlides/notesSlide20.xml><?xml version="1.0" encoding="utf-8"?>
-<p:notes xmlns:a="http://schemas.openxmlformats.org/drawingml/2006/main" xmlns:r="http://schemas.openxmlformats.org/officeDocument/2006/relationships" xmlns:p="http://schemas.openxmlformats.org/presentationml/2006/main" showMasterSp="0" showMasterPhAnim="0">
-  <p:cSld>
-    <p:spTree>
-      <p:nvGrpSpPr>
-        <p:cNvPr id="1" name="Shape 177"/>
-        <p:cNvGrpSpPr/>
-        <p:nvPr/>
-      </p:nvGrpSpPr>
-      <p:grpSpPr>
-        <a:xfrm>
-          <a:off x="0" y="0"/>
-          <a:ext cx="0" cy="0"/>
-          <a:chOff x="0" y="0"/>
-          <a:chExt cx="0" cy="0"/>
-        </a:xfrm>
-      </p:grpSpPr>
-      <p:sp>
-        <p:nvSpPr>
-          <p:cNvPr id="178" name="Google Shape;178;g144aaa0767c_0_104:notes"/>
-          <p:cNvSpPr>
-            <a:spLocks noGrp="1" noRot="1" noChangeAspect="1"/>
-          </p:cNvSpPr>
-          <p:nvPr>
-            <p:ph type="sldImg" idx="2"/>
-          </p:nvPr>
-        </p:nvSpPr>
-        <p:spPr>
-          <a:xfrm>
-            <a:off x="381000" y="685800"/>
-            <a:ext cx="6096000" cy="3429000"/>
-          </a:xfrm>
-          <a:custGeom>
-            <a:avLst/>
-            <a:gdLst/>
-            <a:ahLst/>
-            <a:cxnLst/>
-            <a:rect l="l" t="t" r="r" b="b"/>
-            <a:pathLst>
-              <a:path w="120000" h="120000" extrusionOk="0">
-                <a:moveTo>
-                  <a:pt x="0" y="0"/>
-                </a:moveTo>
-                <a:lnTo>
-                  <a:pt x="120000" y="0"/>
-                </a:lnTo>
-                <a:lnTo>
-                  <a:pt x="120000" y="120000"/>
-                </a:lnTo>
-                <a:lnTo>
-                  <a:pt x="0" y="120000"/>
-                </a:lnTo>
-                <a:close/>
-              </a:path>
-            </a:pathLst>
-          </a:custGeom>
-        </p:spPr>
-      </p:sp>
-      <p:sp>
-        <p:nvSpPr>
-          <p:cNvPr id="179" name="Google Shape;179;g144aaa0767c_0_104:notes"/>
-          <p:cNvSpPr txBox="1">
-            <a:spLocks noGrp="1"/>
-          </p:cNvSpPr>
-          <p:nvPr>
-            <p:ph type="body" idx="1"/>
-          </p:nvPr>
-        </p:nvSpPr>
-        <p:spPr>
-          <a:xfrm>
-            <a:off x="685800" y="4343400"/>
-            <a:ext cx="5486400" cy="4114800"/>
-          </a:xfrm>
-          <a:prstGeom prst="rect">
-            <a:avLst/>
-          </a:prstGeom>
-        </p:spPr>
-        <p:txBody>
-          <a:bodyPr spcFirstLastPara="1" wrap="square" lIns="91425" tIns="91425" rIns="91425" bIns="91425" anchor="t" anchorCtr="0">
-            <a:noAutofit/>
-          </a:bodyPr>
-          <a:lstStyle/>
-          <a:p>
-            <a:pPr marL="0" lvl="0" indent="0" algn="l" rtl="0">
-              <a:spcBef>
-                <a:spcPts val="0"/>
-              </a:spcBef>
-              <a:spcAft>
-                <a:spcPts val="0"/>
-              </a:spcAft>
-              <a:buNone/>
-            </a:pPr>
-            <a:endParaRPr/>
-          </a:p>
-        </p:txBody>
-      </p:sp>
-    </p:spTree>
   </p:cSld>
   <p:clrMapOvr>
     <a:masterClrMapping/>
@@ -6908,7 +6798,7 @@
         </p:spPr>
         <p:txBody>
           <a:bodyPr spcFirstLastPara="1" wrap="square" lIns="91425" tIns="91425" rIns="91425" bIns="91425" anchor="t" anchorCtr="0">
-            <a:normAutofit/>
+            <a:normAutofit fontScale="90000"/>
           </a:bodyPr>
           <a:lstStyle/>
           <a:p>
@@ -6930,7 +6820,7 @@
             </a:br>
             <a:r>
               <a:rPr lang="en-US" dirty="0"/>
-              <a:t>North America / Asia Meeting</a:t>
+              <a:t>North America / Europe Meeting</a:t>
             </a:r>
             <a:endParaRPr dirty="0"/>
           </a:p>
@@ -7652,6 +7542,292 @@
           </a:p>
         </p:txBody>
       </p:sp>
+      <p:sp>
+        <p:nvSpPr>
+          <p:cNvPr id="2" name="Google Shape;157;p25">
+            <a:extLst>
+              <a:ext uri="{FF2B5EF4-FFF2-40B4-BE49-F238E27FC236}">
+                <a16:creationId xmlns:a16="http://schemas.microsoft.com/office/drawing/2014/main" id="{5705BD80-E341-CECC-9FA9-57264372BDCF}"/>
+              </a:ext>
+            </a:extLst>
+          </p:cNvPr>
+          <p:cNvSpPr txBox="1">
+            <a:spLocks/>
+          </p:cNvSpPr>
+          <p:nvPr/>
+        </p:nvSpPr>
+        <p:spPr>
+          <a:xfrm>
+            <a:off x="343050" y="838225"/>
+            <a:ext cx="8520600" cy="607800"/>
+          </a:xfrm>
+          <a:prstGeom prst="rect">
+            <a:avLst/>
+          </a:prstGeom>
+          <a:noFill/>
+          <a:ln>
+            <a:noFill/>
+          </a:ln>
+        </p:spPr>
+        <p:txBody>
+          <a:bodyPr spcFirstLastPara="1" wrap="square" lIns="91425" tIns="91425" rIns="91425" bIns="91425" anchor="t" anchorCtr="0">
+            <a:normAutofit fontScale="97500"/>
+          </a:bodyPr>
+          <a:lstStyle>
+            <a:defPPr marR="0" lvl="0" algn="l" rtl="0">
+              <a:lnSpc>
+                <a:spcPct val="100000"/>
+              </a:lnSpc>
+              <a:spcBef>
+                <a:spcPts val="0"/>
+              </a:spcBef>
+              <a:spcAft>
+                <a:spcPts val="0"/>
+              </a:spcAft>
+            </a:defPPr>
+            <a:lvl1pPr marR="0" lvl="0" algn="l" rtl="0">
+              <a:lnSpc>
+                <a:spcPct val="100000"/>
+              </a:lnSpc>
+              <a:spcBef>
+                <a:spcPts val="0"/>
+              </a:spcBef>
+              <a:spcAft>
+                <a:spcPts val="0"/>
+              </a:spcAft>
+              <a:buClr>
+                <a:schemeClr val="dk1"/>
+              </a:buClr>
+              <a:buSzPts val="3000"/>
+              <a:buFont typeface="Roboto Slab Light"/>
+              <a:buNone/>
+              <a:defRPr sz="3000" b="0" i="0" u="none" strike="noStrike" cap="none">
+                <a:solidFill>
+                  <a:schemeClr val="dk1"/>
+                </a:solidFill>
+                <a:latin typeface="Roboto Slab Light"/>
+                <a:ea typeface="Roboto Slab Light"/>
+                <a:cs typeface="Roboto Slab Light"/>
+                <a:sym typeface="Roboto Slab Light"/>
+              </a:defRPr>
+            </a:lvl1pPr>
+            <a:lvl2pPr marR="0" lvl="1" algn="l" rtl="0">
+              <a:lnSpc>
+                <a:spcPct val="100000"/>
+              </a:lnSpc>
+              <a:spcBef>
+                <a:spcPts val="0"/>
+              </a:spcBef>
+              <a:spcAft>
+                <a:spcPts val="0"/>
+              </a:spcAft>
+              <a:buClr>
+                <a:schemeClr val="dk1"/>
+              </a:buClr>
+              <a:buSzPts val="3000"/>
+              <a:buFont typeface="Roboto"/>
+              <a:buNone/>
+              <a:defRPr sz="3000" b="0" i="0" u="none" strike="noStrike" cap="none">
+                <a:solidFill>
+                  <a:schemeClr val="dk1"/>
+                </a:solidFill>
+                <a:latin typeface="Roboto"/>
+                <a:ea typeface="Roboto"/>
+                <a:cs typeface="Roboto"/>
+                <a:sym typeface="Roboto"/>
+              </a:defRPr>
+            </a:lvl2pPr>
+            <a:lvl3pPr marR="0" lvl="2" algn="l" rtl="0">
+              <a:lnSpc>
+                <a:spcPct val="100000"/>
+              </a:lnSpc>
+              <a:spcBef>
+                <a:spcPts val="0"/>
+              </a:spcBef>
+              <a:spcAft>
+                <a:spcPts val="0"/>
+              </a:spcAft>
+              <a:buClr>
+                <a:schemeClr val="dk1"/>
+              </a:buClr>
+              <a:buSzPts val="3000"/>
+              <a:buFont typeface="Roboto"/>
+              <a:buNone/>
+              <a:defRPr sz="3000" b="0" i="0" u="none" strike="noStrike" cap="none">
+                <a:solidFill>
+                  <a:schemeClr val="dk1"/>
+                </a:solidFill>
+                <a:latin typeface="Roboto"/>
+                <a:ea typeface="Roboto"/>
+                <a:cs typeface="Roboto"/>
+                <a:sym typeface="Roboto"/>
+              </a:defRPr>
+            </a:lvl3pPr>
+            <a:lvl4pPr marR="0" lvl="3" algn="l" rtl="0">
+              <a:lnSpc>
+                <a:spcPct val="100000"/>
+              </a:lnSpc>
+              <a:spcBef>
+                <a:spcPts val="0"/>
+              </a:spcBef>
+              <a:spcAft>
+                <a:spcPts val="0"/>
+              </a:spcAft>
+              <a:buClr>
+                <a:schemeClr val="dk1"/>
+              </a:buClr>
+              <a:buSzPts val="3000"/>
+              <a:buFont typeface="Roboto"/>
+              <a:buNone/>
+              <a:defRPr sz="3000" b="0" i="0" u="none" strike="noStrike" cap="none">
+                <a:solidFill>
+                  <a:schemeClr val="dk1"/>
+                </a:solidFill>
+                <a:latin typeface="Roboto"/>
+                <a:ea typeface="Roboto"/>
+                <a:cs typeface="Roboto"/>
+                <a:sym typeface="Roboto"/>
+              </a:defRPr>
+            </a:lvl4pPr>
+            <a:lvl5pPr marR="0" lvl="4" algn="l" rtl="0">
+              <a:lnSpc>
+                <a:spcPct val="100000"/>
+              </a:lnSpc>
+              <a:spcBef>
+                <a:spcPts val="0"/>
+              </a:spcBef>
+              <a:spcAft>
+                <a:spcPts val="0"/>
+              </a:spcAft>
+              <a:buClr>
+                <a:schemeClr val="dk1"/>
+              </a:buClr>
+              <a:buSzPts val="3000"/>
+              <a:buFont typeface="Roboto"/>
+              <a:buNone/>
+              <a:defRPr sz="3000" b="0" i="0" u="none" strike="noStrike" cap="none">
+                <a:solidFill>
+                  <a:schemeClr val="dk1"/>
+                </a:solidFill>
+                <a:latin typeface="Roboto"/>
+                <a:ea typeface="Roboto"/>
+                <a:cs typeface="Roboto"/>
+                <a:sym typeface="Roboto"/>
+              </a:defRPr>
+            </a:lvl5pPr>
+            <a:lvl6pPr marR="0" lvl="5" algn="l" rtl="0">
+              <a:lnSpc>
+                <a:spcPct val="100000"/>
+              </a:lnSpc>
+              <a:spcBef>
+                <a:spcPts val="0"/>
+              </a:spcBef>
+              <a:spcAft>
+                <a:spcPts val="0"/>
+              </a:spcAft>
+              <a:buClr>
+                <a:schemeClr val="dk1"/>
+              </a:buClr>
+              <a:buSzPts val="3000"/>
+              <a:buFont typeface="Roboto"/>
+              <a:buNone/>
+              <a:defRPr sz="3000" b="0" i="0" u="none" strike="noStrike" cap="none">
+                <a:solidFill>
+                  <a:schemeClr val="dk1"/>
+                </a:solidFill>
+                <a:latin typeface="Roboto"/>
+                <a:ea typeface="Roboto"/>
+                <a:cs typeface="Roboto"/>
+                <a:sym typeface="Roboto"/>
+              </a:defRPr>
+            </a:lvl6pPr>
+            <a:lvl7pPr marR="0" lvl="6" algn="l" rtl="0">
+              <a:lnSpc>
+                <a:spcPct val="100000"/>
+              </a:lnSpc>
+              <a:spcBef>
+                <a:spcPts val="0"/>
+              </a:spcBef>
+              <a:spcAft>
+                <a:spcPts val="0"/>
+              </a:spcAft>
+              <a:buClr>
+                <a:schemeClr val="dk1"/>
+              </a:buClr>
+              <a:buSzPts val="3000"/>
+              <a:buFont typeface="Roboto"/>
+              <a:buNone/>
+              <a:defRPr sz="3000" b="0" i="0" u="none" strike="noStrike" cap="none">
+                <a:solidFill>
+                  <a:schemeClr val="dk1"/>
+                </a:solidFill>
+                <a:latin typeface="Roboto"/>
+                <a:ea typeface="Roboto"/>
+                <a:cs typeface="Roboto"/>
+                <a:sym typeface="Roboto"/>
+              </a:defRPr>
+            </a:lvl7pPr>
+            <a:lvl8pPr marR="0" lvl="7" algn="l" rtl="0">
+              <a:lnSpc>
+                <a:spcPct val="100000"/>
+              </a:lnSpc>
+              <a:spcBef>
+                <a:spcPts val="0"/>
+              </a:spcBef>
+              <a:spcAft>
+                <a:spcPts val="0"/>
+              </a:spcAft>
+              <a:buClr>
+                <a:schemeClr val="dk1"/>
+              </a:buClr>
+              <a:buSzPts val="3000"/>
+              <a:buFont typeface="Roboto"/>
+              <a:buNone/>
+              <a:defRPr sz="3000" b="0" i="0" u="none" strike="noStrike" cap="none">
+                <a:solidFill>
+                  <a:schemeClr val="dk1"/>
+                </a:solidFill>
+                <a:latin typeface="Roboto"/>
+                <a:ea typeface="Roboto"/>
+                <a:cs typeface="Roboto"/>
+                <a:sym typeface="Roboto"/>
+              </a:defRPr>
+            </a:lvl8pPr>
+            <a:lvl9pPr marR="0" lvl="8" algn="l" rtl="0">
+              <a:lnSpc>
+                <a:spcPct val="100000"/>
+              </a:lnSpc>
+              <a:spcBef>
+                <a:spcPts val="0"/>
+              </a:spcBef>
+              <a:spcAft>
+                <a:spcPts val="0"/>
+              </a:spcAft>
+              <a:buClr>
+                <a:schemeClr val="dk1"/>
+              </a:buClr>
+              <a:buSzPts val="3000"/>
+              <a:buFont typeface="Roboto"/>
+              <a:buNone/>
+              <a:defRPr sz="3000" b="0" i="0" u="none" strike="noStrike" cap="none">
+                <a:solidFill>
+                  <a:schemeClr val="dk1"/>
+                </a:solidFill>
+                <a:latin typeface="Roboto"/>
+                <a:ea typeface="Roboto"/>
+                <a:cs typeface="Roboto"/>
+                <a:sym typeface="Roboto"/>
+              </a:defRPr>
+            </a:lvl9pPr>
+          </a:lstStyle>
+          <a:p>
+            <a:r>
+              <a:rPr lang="en-US" sz="1800" dirty="0"/>
+              <a:t>See Next Two Slides For Status And Next Steps</a:t>
+            </a:r>
+          </a:p>
+        </p:txBody>
+      </p:sp>
     </p:spTree>
     <p:extLst>
       <p:ext uri="{BB962C8B-B14F-4D97-AF65-F5344CB8AC3E}">
@@ -7666,6 +7842,78 @@
 </file>
 
 <file path=ppt/slides/slide14.xml><?xml version="1.0" encoding="utf-8"?>
+<p:sld xmlns:a="http://schemas.openxmlformats.org/drawingml/2006/main" xmlns:r="http://schemas.openxmlformats.org/officeDocument/2006/relationships" xmlns:p="http://schemas.openxmlformats.org/presentationml/2006/main">
+  <p:cSld>
+    <p:spTree>
+      <p:nvGrpSpPr>
+        <p:cNvPr id="1" name="Shape 144"/>
+        <p:cNvGrpSpPr/>
+        <p:nvPr/>
+      </p:nvGrpSpPr>
+      <p:grpSpPr>
+        <a:xfrm>
+          <a:off x="0" y="0"/>
+          <a:ext cx="0" cy="0"/>
+          <a:chOff x="0" y="0"/>
+          <a:chExt cx="0" cy="0"/>
+        </a:xfrm>
+      </p:grpSpPr>
+      <p:sp>
+        <p:nvSpPr>
+          <p:cNvPr id="145" name="Google Shape;145;p23"/>
+          <p:cNvSpPr txBox="1">
+            <a:spLocks noGrp="1"/>
+          </p:cNvSpPr>
+          <p:nvPr>
+            <p:ph type="title"/>
+          </p:nvPr>
+        </p:nvSpPr>
+        <p:spPr>
+          <a:xfrm>
+            <a:off x="598100" y="2152347"/>
+            <a:ext cx="8222100" cy="838800"/>
+          </a:xfrm>
+          <a:prstGeom prst="rect">
+            <a:avLst/>
+          </a:prstGeom>
+        </p:spPr>
+        <p:txBody>
+          <a:bodyPr spcFirstLastPara="1" wrap="square" lIns="91425" tIns="91425" rIns="91425" bIns="91425" anchor="ctr" anchorCtr="0">
+            <a:normAutofit fontScale="90000"/>
+          </a:bodyPr>
+          <a:lstStyle/>
+          <a:p>
+            <a:pPr marL="0" lvl="0" indent="0" algn="l" rtl="0">
+              <a:spcBef>
+                <a:spcPts val="0"/>
+              </a:spcBef>
+              <a:spcAft>
+                <a:spcPts val="0"/>
+              </a:spcAft>
+              <a:buNone/>
+            </a:pPr>
+            <a:r>
+              <a:rPr lang="en-US" dirty="0"/>
+              <a:t>Work on reference and supporting material</a:t>
+            </a:r>
+            <a:endParaRPr dirty="0"/>
+          </a:p>
+        </p:txBody>
+      </p:sp>
+    </p:spTree>
+    <p:extLst>
+      <p:ext uri="{BB962C8B-B14F-4D97-AF65-F5344CB8AC3E}">
+        <p14:creationId xmlns:p14="http://schemas.microsoft.com/office/powerpoint/2010/main" val="12832095"/>
+      </p:ext>
+    </p:extLst>
+  </p:cSld>
+  <p:clrMapOvr>
+    <a:masterClrMapping/>
+  </p:clrMapOvr>
+</p:sld>
+</file>
+
+<file path=ppt/slides/slide15.xml><?xml version="1.0" encoding="utf-8"?>
 <p:sld xmlns:a="http://schemas.openxmlformats.org/drawingml/2006/main" xmlns:r="http://schemas.openxmlformats.org/officeDocument/2006/relationships" xmlns:p="http://schemas.openxmlformats.org/presentationml/2006/main">
   <p:cSld>
     <p:spTree>
@@ -7693,10 +7941,6 @@
           </p:nvPr>
         </p:nvSpPr>
         <p:spPr>
-          <a:xfrm>
-            <a:off x="311700" y="410000"/>
-            <a:ext cx="8520600" cy="607800"/>
-          </a:xfrm>
           <a:prstGeom prst="rect">
             <a:avLst/>
           </a:prstGeom>
@@ -7718,7 +7962,7 @@
             </a:pPr>
             <a:r>
               <a:rPr lang="en-US" dirty="0"/>
-              <a:t>Today: We Will Look At These Issues In Security</a:t>
+              <a:t>OpenChain Education Study Group</a:t>
             </a:r>
             <a:endParaRPr dirty="0"/>
           </a:p>
@@ -7726,236 +7970,57 @@
       </p:sp>
       <p:sp>
         <p:nvSpPr>
-          <p:cNvPr id="158" name="Google Shape;158;p25"/>
-          <p:cNvSpPr txBox="1">
+          <p:cNvPr id="2" name="Text Placeholder 1">
+            <a:extLst>
+              <a:ext uri="{FF2B5EF4-FFF2-40B4-BE49-F238E27FC236}">
+                <a16:creationId xmlns:a16="http://schemas.microsoft.com/office/drawing/2014/main" id="{DC74BFC9-0CAA-96ED-C62F-283510652636}"/>
+              </a:ext>
+            </a:extLst>
+          </p:cNvPr>
+          <p:cNvSpPr>
             <a:spLocks noGrp="1"/>
           </p:cNvSpPr>
           <p:nvPr>
             <p:ph type="body" idx="1"/>
           </p:nvPr>
         </p:nvSpPr>
-        <p:spPr>
-          <a:xfrm>
-            <a:off x="280350" y="1266450"/>
-            <a:ext cx="8520600" cy="3339000"/>
-          </a:xfrm>
-          <a:prstGeom prst="rect">
-            <a:avLst/>
-          </a:prstGeom>
-        </p:spPr>
+        <p:spPr/>
         <p:txBody>
-          <a:bodyPr spcFirstLastPara="1" wrap="square" lIns="91425" tIns="91425" rIns="91425" bIns="91425" anchor="t" anchorCtr="0">
-            <a:normAutofit fontScale="85000" lnSpcReduction="10000"/>
+          <a:bodyPr>
+            <a:normAutofit/>
           </a:bodyPr>
           <a:lstStyle/>
           <a:p>
-            <a:pPr marL="0" lvl="0" indent="0" algn="l" rtl="0">
-              <a:spcBef>
-                <a:spcPts val="0"/>
-              </a:spcBef>
-              <a:spcAft>
-                <a:spcPts val="1200"/>
-              </a:spcAft>
+            <a:pPr marL="114300" indent="0">
               <a:buNone/>
             </a:pPr>
             <a:r>
-              <a:rPr lang="en-US" dirty="0"/>
-              <a:t>[Improvement] ZA/NM05 - Proposed rewording for 3.1.5</a:t>
+              <a:rPr lang="en-US" b="1" dirty="0"/>
+              <a:t>OpenChain Education Work Group Meeting – 2024-03-05 – Full Recording</a:t>
             </a:r>
           </a:p>
           <a:p>
-            <a:pPr marL="0" lvl="0" indent="0" algn="l" rtl="0">
-              <a:spcBef>
-                <a:spcPts val="0"/>
-              </a:spcBef>
-              <a:spcAft>
-                <a:spcPts val="1200"/>
-              </a:spcAft>
+            <a:pPr marL="114300" indent="0">
               <a:buNone/>
             </a:pPr>
             <a:r>
               <a:rPr lang="en-US" dirty="0">
                 <a:hlinkClick r:id="rId3"/>
               </a:rPr>
-              <a:t>https://github.com/OpenChain-Project/Security-Assurance-Specification/issues/18</a:t>
+              <a:t>https://www.openchainproject.org/news/2024/03/07/openchain-education-work-group-meeting-2024-03-05-full-recording</a:t>
+            </a:r>
+            <a:r>
+              <a:rPr lang="en-US" b="1" dirty="0"/>
+              <a:t> </a:t>
             </a:r>
             <a:endParaRPr lang="en-US" dirty="0"/>
-          </a:p>
-          <a:p>
-            <a:pPr marL="0" lvl="0" indent="0" algn="l" rtl="0">
-              <a:spcBef>
-                <a:spcPts val="0"/>
-              </a:spcBef>
-              <a:spcAft>
-                <a:spcPts val="1200"/>
-              </a:spcAft>
-              <a:buNone/>
-            </a:pPr>
-            <a:endParaRPr lang="en-US" dirty="0"/>
-          </a:p>
-          <a:p>
-            <a:pPr marL="0" lvl="0" indent="0" algn="l" rtl="0">
-              <a:spcBef>
-                <a:spcPts val="0"/>
-              </a:spcBef>
-              <a:spcAft>
-                <a:spcPts val="1200"/>
-              </a:spcAft>
-              <a:buNone/>
-            </a:pPr>
-            <a:r>
-              <a:rPr lang="en-US" dirty="0"/>
-              <a:t>[Improvement] Add triage entry to specific situations where vulnerability not appliable</a:t>
-            </a:r>
-          </a:p>
-          <a:p>
-            <a:pPr marL="0" lvl="0" indent="0" algn="l" rtl="0">
-              <a:spcBef>
-                <a:spcPts val="0"/>
-              </a:spcBef>
-              <a:spcAft>
-                <a:spcPts val="1200"/>
-              </a:spcAft>
-              <a:buNone/>
-            </a:pPr>
-            <a:r>
-              <a:rPr lang="en-US" dirty="0">
-                <a:hlinkClick r:id="rId4"/>
-              </a:rPr>
-              <a:t>https://github.com/OpenChain-Project/Security-Assurance-Specification/issues/29</a:t>
-            </a:r>
-            <a:r>
-              <a:rPr lang="en-US" dirty="0"/>
-              <a:t> </a:t>
-            </a:r>
-          </a:p>
-          <a:p>
-            <a:pPr marL="0" lvl="0" indent="0" algn="l" rtl="0">
-              <a:spcBef>
-                <a:spcPts val="0"/>
-              </a:spcBef>
-              <a:spcAft>
-                <a:spcPts val="1200"/>
-              </a:spcAft>
-              <a:buNone/>
-            </a:pPr>
-            <a:endParaRPr lang="en-US" dirty="0"/>
-          </a:p>
-          <a:p>
-            <a:pPr marL="0" lvl="0" indent="0" algn="l" rtl="0">
-              <a:spcBef>
-                <a:spcPts val="0"/>
-              </a:spcBef>
-              <a:spcAft>
-                <a:spcPts val="1200"/>
-              </a:spcAft>
-              <a:buNone/>
-            </a:pPr>
-            <a:r>
-              <a:rPr lang="en-US" dirty="0"/>
-              <a:t>[New Material] What is a quality or complete SBOM for licensing or security use cases?</a:t>
-            </a:r>
-          </a:p>
-          <a:p>
-            <a:pPr marL="0" lvl="0" indent="0" algn="l" rtl="0">
-              <a:spcBef>
-                <a:spcPts val="0"/>
-              </a:spcBef>
-              <a:spcAft>
-                <a:spcPts val="1200"/>
-              </a:spcAft>
-              <a:buNone/>
-            </a:pPr>
-            <a:r>
-              <a:rPr lang="en-US" dirty="0">
-                <a:hlinkClick r:id="rId5"/>
-              </a:rPr>
-              <a:t>https://github.com/OpenChain-Project/Security-Assurance-Specification/issues/32</a:t>
-            </a:r>
-            <a:r>
-              <a:rPr lang="en-US" dirty="0"/>
-              <a:t> </a:t>
-            </a:r>
-            <a:endParaRPr lang="en-JP" dirty="0"/>
           </a:p>
         </p:txBody>
       </p:sp>
     </p:spTree>
     <p:extLst>
       <p:ext uri="{BB962C8B-B14F-4D97-AF65-F5344CB8AC3E}">
-        <p14:creationId xmlns:p14="http://schemas.microsoft.com/office/powerpoint/2010/main" val="3454252263"/>
-      </p:ext>
-    </p:extLst>
-  </p:cSld>
-  <p:clrMapOvr>
-    <a:masterClrMapping/>
-  </p:clrMapOvr>
-</p:sld>
-</file>
-
-<file path=ppt/slides/slide15.xml><?xml version="1.0" encoding="utf-8"?>
-<p:sld xmlns:a="http://schemas.openxmlformats.org/drawingml/2006/main" xmlns:r="http://schemas.openxmlformats.org/officeDocument/2006/relationships" xmlns:p="http://schemas.openxmlformats.org/presentationml/2006/main">
-  <p:cSld>
-    <p:spTree>
-      <p:nvGrpSpPr>
-        <p:cNvPr id="1" name="Shape 144"/>
-        <p:cNvGrpSpPr/>
-        <p:nvPr/>
-      </p:nvGrpSpPr>
-      <p:grpSpPr>
-        <a:xfrm>
-          <a:off x="0" y="0"/>
-          <a:ext cx="0" cy="0"/>
-          <a:chOff x="0" y="0"/>
-          <a:chExt cx="0" cy="0"/>
-        </a:xfrm>
-      </p:grpSpPr>
-      <p:sp>
-        <p:nvSpPr>
-          <p:cNvPr id="145" name="Google Shape;145;p23"/>
-          <p:cNvSpPr txBox="1">
-            <a:spLocks noGrp="1"/>
-          </p:cNvSpPr>
-          <p:nvPr>
-            <p:ph type="title"/>
-          </p:nvPr>
-        </p:nvSpPr>
-        <p:spPr>
-          <a:xfrm>
-            <a:off x="598100" y="2152347"/>
-            <a:ext cx="8222100" cy="838800"/>
-          </a:xfrm>
-          <a:prstGeom prst="rect">
-            <a:avLst/>
-          </a:prstGeom>
-        </p:spPr>
-        <p:txBody>
-          <a:bodyPr spcFirstLastPara="1" wrap="square" lIns="91425" tIns="91425" rIns="91425" bIns="91425" anchor="ctr" anchorCtr="0">
-            <a:normAutofit fontScale="90000"/>
-          </a:bodyPr>
-          <a:lstStyle/>
-          <a:p>
-            <a:pPr marL="0" lvl="0" indent="0" algn="l" rtl="0">
-              <a:spcBef>
-                <a:spcPts val="0"/>
-              </a:spcBef>
-              <a:spcAft>
-                <a:spcPts val="0"/>
-              </a:spcAft>
-              <a:buNone/>
-            </a:pPr>
-            <a:r>
-              <a:rPr lang="en-US" dirty="0"/>
-              <a:t>Work on reference and supporting material</a:t>
-            </a:r>
-            <a:endParaRPr dirty="0"/>
-          </a:p>
-        </p:txBody>
-      </p:sp>
-    </p:spTree>
-    <p:extLst>
-      <p:ext uri="{BB962C8B-B14F-4D97-AF65-F5344CB8AC3E}">
-        <p14:creationId xmlns:p14="http://schemas.microsoft.com/office/powerpoint/2010/main" val="12832095"/>
+        <p14:creationId xmlns:p14="http://schemas.microsoft.com/office/powerpoint/2010/main" val="1859896730"/>
       </p:ext>
     </p:extLst>
   </p:cSld>
@@ -7993,6 +8058,10 @@
           </p:nvPr>
         </p:nvSpPr>
         <p:spPr>
+          <a:xfrm>
+            <a:off x="311700" y="410000"/>
+            <a:ext cx="8520600" cy="607800"/>
+          </a:xfrm>
           <a:prstGeom prst="rect">
             <a:avLst/>
           </a:prstGeom>
@@ -8014,7 +8083,7 @@
             </a:pPr>
             <a:r>
               <a:rPr lang="en-US" dirty="0"/>
-              <a:t>OpenChain Education Study Group</a:t>
+              <a:t>OpenChain Education Work Group - Overview</a:t>
             </a:r>
             <a:endParaRPr dirty="0"/>
           </a:p>
@@ -8022,57 +8091,119 @@
       </p:sp>
       <p:sp>
         <p:nvSpPr>
-          <p:cNvPr id="2" name="Text Placeholder 1">
-            <a:extLst>
-              <a:ext uri="{FF2B5EF4-FFF2-40B4-BE49-F238E27FC236}">
-                <a16:creationId xmlns:a16="http://schemas.microsoft.com/office/drawing/2014/main" id="{DC74BFC9-0CAA-96ED-C62F-283510652636}"/>
-              </a:ext>
-            </a:extLst>
-          </p:cNvPr>
-          <p:cNvSpPr>
+          <p:cNvPr id="158" name="Google Shape;158;p25"/>
+          <p:cNvSpPr txBox="1">
             <a:spLocks noGrp="1"/>
           </p:cNvSpPr>
           <p:nvPr>
             <p:ph type="body" idx="1"/>
           </p:nvPr>
         </p:nvSpPr>
-        <p:spPr/>
+        <p:spPr>
+          <a:xfrm>
+            <a:off x="280350" y="1266450"/>
+            <a:ext cx="8520600" cy="3339000"/>
+          </a:xfrm>
+          <a:prstGeom prst="rect">
+            <a:avLst/>
+          </a:prstGeom>
+        </p:spPr>
         <p:txBody>
-          <a:bodyPr>
+          <a:bodyPr spcFirstLastPara="1" wrap="square" lIns="91425" tIns="91425" rIns="91425" bIns="91425" anchor="t" anchorCtr="0">
             <a:normAutofit/>
           </a:bodyPr>
           <a:lstStyle/>
           <a:p>
-            <a:pPr marL="114300" indent="0">
+            <a:pPr marL="0" lvl="0" indent="0" algn="l" rtl="0">
+              <a:spcBef>
+                <a:spcPts val="0"/>
+              </a:spcBef>
+              <a:spcAft>
+                <a:spcPts val="1200"/>
+              </a:spcAft>
               <a:buNone/>
             </a:pPr>
             <a:r>
-              <a:rPr lang="en-US" b="1" dirty="0"/>
-              <a:t>OpenChain Education Work Group Meeting – 2024-03-05 – Full Recording</a:t>
+              <a:rPr lang="en-US" dirty="0"/>
+              <a:t>We have been working on the Supplier Education Leaflet:</a:t>
             </a:r>
           </a:p>
           <a:p>
-            <a:pPr marL="114300" indent="0">
+            <a:pPr marL="0" lvl="0" indent="0" algn="l" rtl="0">
+              <a:spcBef>
+                <a:spcPts val="0"/>
+              </a:spcBef>
+              <a:spcAft>
+                <a:spcPts val="1200"/>
+              </a:spcAft>
               <a:buNone/>
             </a:pPr>
             <a:r>
               <a:rPr lang="en-US" dirty="0">
                 <a:hlinkClick r:id="rId3"/>
               </a:rPr>
-              <a:t>https://www.openchainproject.org/news/2024/03/07/openchain-education-work-group-meeting-2024-03-05-full-recording</a:t>
+              <a:t>https://github.com/OpenChain-Project/Reference-Material/blob/master/Education-For-Suppliers/ISO-5230-2020-Supplier-Education-Leaflet/Official/MarkDown/en/supply-chain-education-leaflet-version-2.md</a:t>
             </a:r>
             <a:r>
-              <a:rPr lang="en-US" b="1" dirty="0"/>
+              <a:rPr lang="en-US" dirty="0"/>
               <a:t> </a:t>
             </a:r>
+          </a:p>
+          <a:p>
+            <a:pPr marL="0" lvl="0" indent="0" algn="l" rtl="0">
+              <a:spcBef>
+                <a:spcPts val="0"/>
+              </a:spcBef>
+              <a:spcAft>
+                <a:spcPts val="1200"/>
+              </a:spcAft>
+              <a:buNone/>
+            </a:pPr>
             <a:endParaRPr lang="en-US" dirty="0"/>
+          </a:p>
+          <a:p>
+            <a:pPr marL="0" lvl="0" indent="0" algn="l" rtl="0">
+              <a:spcBef>
+                <a:spcPts val="0"/>
+              </a:spcBef>
+              <a:spcAft>
+                <a:spcPts val="1200"/>
+              </a:spcAft>
+              <a:buNone/>
+            </a:pPr>
+            <a:r>
+              <a:rPr lang="en-US" dirty="0"/>
+              <a:t>All topics also discussed on our dedicated education mailing list: </a:t>
+            </a:r>
+            <a:r>
+              <a:rPr lang="en-US" dirty="0">
+                <a:hlinkClick r:id="rId4"/>
+              </a:rPr>
+              <a:t>https://lists.openchainproject.org/g/education</a:t>
+            </a:r>
+            <a:r>
+              <a:rPr lang="en-US" dirty="0"/>
+              <a:t> </a:t>
+            </a:r>
+          </a:p>
+          <a:p>
+            <a:pPr marL="0" lvl="0" indent="0" algn="l" rtl="0">
+              <a:spcBef>
+                <a:spcPts val="0"/>
+              </a:spcBef>
+              <a:spcAft>
+                <a:spcPts val="1200"/>
+              </a:spcAft>
+              <a:buNone/>
+            </a:pPr>
+            <a:endParaRPr dirty="0"/>
           </a:p>
         </p:txBody>
       </p:sp>
     </p:spTree>
     <p:extLst>
       <p:ext uri="{BB962C8B-B14F-4D97-AF65-F5344CB8AC3E}">
-        <p14:creationId xmlns:p14="http://schemas.microsoft.com/office/powerpoint/2010/main" val="1859896730"/>
+        <p14:creationId xmlns:p14="http://schemas.microsoft.com/office/powerpoint/2010/main" val="3162429510"/>
       </p:ext>
     </p:extLst>
   </p:cSld>
@@ -8087,7 +8218,7 @@
   <p:cSld>
     <p:spTree>
       <p:nvGrpSpPr>
-        <p:cNvPr id="1" name="Shape 156"/>
+        <p:cNvPr id="1" name="Shape 144"/>
         <p:cNvGrpSpPr/>
         <p:nvPr/>
       </p:nvGrpSpPr>
@@ -8101,7 +8232,7 @@
       </p:grpSpPr>
       <p:sp>
         <p:nvSpPr>
-          <p:cNvPr id="157" name="Google Shape;157;p25"/>
+          <p:cNvPr id="145" name="Google Shape;145;p23"/>
           <p:cNvSpPr txBox="1">
             <a:spLocks noGrp="1"/>
           </p:cNvSpPr>
@@ -8111,57 +8242,15 @@
         </p:nvSpPr>
         <p:spPr>
           <a:xfrm>
-            <a:off x="311700" y="410000"/>
-            <a:ext cx="8520600" cy="607800"/>
+            <a:off x="598100" y="2152347"/>
+            <a:ext cx="8222100" cy="838800"/>
           </a:xfrm>
           <a:prstGeom prst="rect">
             <a:avLst/>
           </a:prstGeom>
         </p:spPr>
         <p:txBody>
-          <a:bodyPr spcFirstLastPara="1" wrap="square" lIns="91425" tIns="91425" rIns="91425" bIns="91425" anchor="t" anchorCtr="0">
-            <a:normAutofit fontScale="90000"/>
-          </a:bodyPr>
-          <a:lstStyle/>
-          <a:p>
-            <a:pPr marL="0" lvl="0" indent="0" algn="l" rtl="0">
-              <a:spcBef>
-                <a:spcPts val="0"/>
-              </a:spcBef>
-              <a:spcAft>
-                <a:spcPts val="0"/>
-              </a:spcAft>
-              <a:buNone/>
-            </a:pPr>
-            <a:r>
-              <a:rPr lang="en-US" dirty="0"/>
-              <a:t>OpenChain Education Work Group - Overview</a:t>
-            </a:r>
-            <a:endParaRPr dirty="0"/>
-          </a:p>
-        </p:txBody>
-      </p:sp>
-      <p:sp>
-        <p:nvSpPr>
-          <p:cNvPr id="158" name="Google Shape;158;p25"/>
-          <p:cNvSpPr txBox="1">
-            <a:spLocks noGrp="1"/>
-          </p:cNvSpPr>
-          <p:nvPr>
-            <p:ph type="body" idx="1"/>
-          </p:nvPr>
-        </p:nvSpPr>
-        <p:spPr>
-          <a:xfrm>
-            <a:off x="280350" y="1266450"/>
-            <a:ext cx="8520600" cy="3339000"/>
-          </a:xfrm>
-          <a:prstGeom prst="rect">
-            <a:avLst/>
-          </a:prstGeom>
-        </p:spPr>
-        <p:txBody>
-          <a:bodyPr spcFirstLastPara="1" wrap="square" lIns="91425" tIns="91425" rIns="91425" bIns="91425" anchor="t" anchorCtr="0">
+          <a:bodyPr spcFirstLastPara="1" wrap="square" lIns="91425" tIns="91425" rIns="91425" bIns="91425" anchor="ctr" anchorCtr="0">
             <a:normAutofit/>
           </a:bodyPr>
           <a:lstStyle/>
@@ -8171,83 +8260,14 @@
                 <a:spcPts val="0"/>
               </a:spcBef>
               <a:spcAft>
-                <a:spcPts val="1200"/>
+                <a:spcPts val="0"/>
               </a:spcAft>
               <a:buNone/>
             </a:pPr>
             <a:r>
               <a:rPr lang="en-US" dirty="0"/>
-              <a:t>We have been working on the Supplier Education Leaflet:</a:t>
+              <a:t>Any other business</a:t>
             </a:r>
-          </a:p>
-          <a:p>
-            <a:pPr marL="0" lvl="0" indent="0" algn="l" rtl="0">
-              <a:spcBef>
-                <a:spcPts val="0"/>
-              </a:spcBef>
-              <a:spcAft>
-                <a:spcPts val="1200"/>
-              </a:spcAft>
-              <a:buNone/>
-            </a:pPr>
-            <a:r>
-              <a:rPr lang="en-US" dirty="0">
-                <a:hlinkClick r:id="rId3"/>
-              </a:rPr>
-              <a:t>https://github.com/OpenChain-Project/Reference-Material/blob/master/Education-For-Suppliers/ISO-5230-2020-Supplier-Education-Leaflet/Official/MarkDown/en/supply-chain-education-leaflet-version-2.md</a:t>
-            </a:r>
-            <a:r>
-              <a:rPr lang="en-US" dirty="0"/>
-              <a:t> </a:t>
-            </a:r>
-          </a:p>
-          <a:p>
-            <a:pPr marL="0" lvl="0" indent="0" algn="l" rtl="0">
-              <a:spcBef>
-                <a:spcPts val="0"/>
-              </a:spcBef>
-              <a:spcAft>
-                <a:spcPts val="1200"/>
-              </a:spcAft>
-              <a:buNone/>
-            </a:pPr>
-            <a:endParaRPr lang="en-US" dirty="0"/>
-          </a:p>
-          <a:p>
-            <a:pPr marL="0" lvl="0" indent="0" algn="l" rtl="0">
-              <a:spcBef>
-                <a:spcPts val="0"/>
-              </a:spcBef>
-              <a:spcAft>
-                <a:spcPts val="1200"/>
-              </a:spcAft>
-              <a:buNone/>
-            </a:pPr>
-            <a:r>
-              <a:rPr lang="en-US" dirty="0"/>
-              <a:t>All topics also discussed on our dedicated education mailing list: </a:t>
-            </a:r>
-            <a:r>
-              <a:rPr lang="en-US" dirty="0">
-                <a:hlinkClick r:id="rId4"/>
-              </a:rPr>
-              <a:t>https://lists.openchainproject.org/g/education</a:t>
-            </a:r>
-            <a:r>
-              <a:rPr lang="en-US" dirty="0"/>
-              <a:t> </a:t>
-            </a:r>
-          </a:p>
-          <a:p>
-            <a:pPr marL="0" lvl="0" indent="0" algn="l" rtl="0">
-              <a:spcBef>
-                <a:spcPts val="0"/>
-              </a:spcBef>
-              <a:spcAft>
-                <a:spcPts val="1200"/>
-              </a:spcAft>
-              <a:buNone/>
-            </a:pPr>
             <a:endParaRPr dirty="0"/>
           </a:p>
         </p:txBody>
@@ -8255,7 +8275,7 @@
     </p:spTree>
     <p:extLst>
       <p:ext uri="{BB962C8B-B14F-4D97-AF65-F5344CB8AC3E}">
-        <p14:creationId xmlns:p14="http://schemas.microsoft.com/office/powerpoint/2010/main" val="3162429510"/>
+        <p14:creationId xmlns:p14="http://schemas.microsoft.com/office/powerpoint/2010/main" val="2218779714"/>
       </p:ext>
     </p:extLst>
   </p:cSld>
@@ -8318,7 +8338,7 @@
             </a:pPr>
             <a:r>
               <a:rPr lang="en-US" dirty="0"/>
-              <a:t>Any other business</a:t>
+              <a:t>Close of meeting</a:t>
             </a:r>
             <a:endParaRPr dirty="0"/>
           </a:p>
@@ -8327,7 +8347,7 @@
     </p:spTree>
     <p:extLst>
       <p:ext uri="{BB962C8B-B14F-4D97-AF65-F5344CB8AC3E}">
-        <p14:creationId xmlns:p14="http://schemas.microsoft.com/office/powerpoint/2010/main" val="2218779714"/>
+        <p14:creationId xmlns:p14="http://schemas.microsoft.com/office/powerpoint/2010/main" val="3044271733"/>
       </p:ext>
     </p:extLst>
   </p:cSld>
@@ -8342,7 +8362,7 @@
   <p:cSld>
     <p:spTree>
       <p:nvGrpSpPr>
-        <p:cNvPr id="1" name="Shape 144"/>
+        <p:cNvPr id="1" name="Shape 180"/>
         <p:cNvGrpSpPr/>
         <p:nvPr/>
       </p:nvGrpSpPr>
@@ -8356,52 +8376,33 @@
       </p:grpSpPr>
       <p:sp>
         <p:nvSpPr>
-          <p:cNvPr id="145" name="Google Shape;145;p23"/>
-          <p:cNvSpPr txBox="1">
+          <p:cNvPr id="3" name="Text Placeholder 2">
+            <a:extLst>
+              <a:ext uri="{FF2B5EF4-FFF2-40B4-BE49-F238E27FC236}">
+                <a16:creationId xmlns:a16="http://schemas.microsoft.com/office/drawing/2014/main" id="{318B57C4-0EE4-84CC-F4DC-10D170F512D8}"/>
+              </a:ext>
+            </a:extLst>
+          </p:cNvPr>
+          <p:cNvSpPr>
             <a:spLocks noGrp="1"/>
           </p:cNvSpPr>
           <p:nvPr>
-            <p:ph type="title"/>
+            <p:ph type="body" idx="1"/>
           </p:nvPr>
         </p:nvSpPr>
-        <p:spPr>
-          <a:xfrm>
-            <a:off x="598100" y="2152347"/>
-            <a:ext cx="8222100" cy="838800"/>
-          </a:xfrm>
-          <a:prstGeom prst="rect">
-            <a:avLst/>
-          </a:prstGeom>
-        </p:spPr>
+        <p:spPr/>
         <p:txBody>
-          <a:bodyPr spcFirstLastPara="1" wrap="square" lIns="91425" tIns="91425" rIns="91425" bIns="91425" anchor="ctr" anchorCtr="0">
-            <a:normAutofit/>
-          </a:bodyPr>
+          <a:bodyPr/>
           <a:lstStyle/>
           <a:p>
-            <a:pPr marL="0" lvl="0" indent="0" algn="l" rtl="0">
-              <a:spcBef>
-                <a:spcPts val="0"/>
-              </a:spcBef>
-              <a:spcAft>
-                <a:spcPts val="0"/>
-              </a:spcAft>
-              <a:buNone/>
-            </a:pPr>
             <a:r>
-              <a:rPr lang="en-US" dirty="0"/>
-              <a:t>Close of meeting</a:t>
+              <a:rPr lang="en-JP" dirty="0"/>
+              <a:t>See you next time!</a:t>
             </a:r>
-            <a:endParaRPr dirty="0"/>
           </a:p>
         </p:txBody>
       </p:sp>
     </p:spTree>
-    <p:extLst>
-      <p:ext uri="{BB962C8B-B14F-4D97-AF65-F5344CB8AC3E}">
-        <p14:creationId xmlns:p14="http://schemas.microsoft.com/office/powerpoint/2010/main" val="3044271733"/>
-      </p:ext>
-    </p:extLst>
   </p:cSld>
   <p:clrMapOvr>
     <a:masterClrMapping/>
@@ -8578,59 +8579,6 @@
         <p14:creationId xmlns:p14="http://schemas.microsoft.com/office/powerpoint/2010/main" val="1226033584"/>
       </p:ext>
     </p:extLst>
-  </p:cSld>
-  <p:clrMapOvr>
-    <a:masterClrMapping/>
-  </p:clrMapOvr>
-</p:sld>
-</file>
-
-<file path=ppt/slides/slide20.xml><?xml version="1.0" encoding="utf-8"?>
-<p:sld xmlns:a="http://schemas.openxmlformats.org/drawingml/2006/main" xmlns:r="http://schemas.openxmlformats.org/officeDocument/2006/relationships" xmlns:p="http://schemas.openxmlformats.org/presentationml/2006/main">
-  <p:cSld>
-    <p:spTree>
-      <p:nvGrpSpPr>
-        <p:cNvPr id="1" name="Shape 180"/>
-        <p:cNvGrpSpPr/>
-        <p:nvPr/>
-      </p:nvGrpSpPr>
-      <p:grpSpPr>
-        <a:xfrm>
-          <a:off x="0" y="0"/>
-          <a:ext cx="0" cy="0"/>
-          <a:chOff x="0" y="0"/>
-          <a:chExt cx="0" cy="0"/>
-        </a:xfrm>
-      </p:grpSpPr>
-      <p:sp>
-        <p:nvSpPr>
-          <p:cNvPr id="3" name="Text Placeholder 2">
-            <a:extLst>
-              <a:ext uri="{FF2B5EF4-FFF2-40B4-BE49-F238E27FC236}">
-                <a16:creationId xmlns:a16="http://schemas.microsoft.com/office/drawing/2014/main" id="{318B57C4-0EE4-84CC-F4DC-10D170F512D8}"/>
-              </a:ext>
-            </a:extLst>
-          </p:cNvPr>
-          <p:cNvSpPr>
-            <a:spLocks noGrp="1"/>
-          </p:cNvSpPr>
-          <p:nvPr>
-            <p:ph type="body" idx="1"/>
-          </p:nvPr>
-        </p:nvSpPr>
-        <p:spPr/>
-        <p:txBody>
-          <a:bodyPr/>
-          <a:lstStyle/>
-          <a:p>
-            <a:r>
-              <a:rPr lang="en-JP" dirty="0"/>
-              <a:t>See you next time!</a:t>
-            </a:r>
-          </a:p>
-        </p:txBody>
-      </p:sp>
-    </p:spTree>
   </p:cSld>
   <p:clrMapOvr>
     <a:masterClrMapping/>

--- a/Slides/OpenChain-Monthly-Meeting-2024-03-19.pptx
+++ b/Slides/OpenChain-Monthly-Meeting-2024-03-19.pptx
@@ -5,7 +5,7 @@
     <p:sldMasterId id="2147483664" r:id="rId1"/>
   </p:sldMasterIdLst>
   <p:notesMasterIdLst>
-    <p:notesMasterId r:id="rId21"/>
+    <p:notesMasterId r:id="rId22"/>
   </p:notesMasterIdLst>
   <p:sldIdLst>
     <p:sldId id="257" r:id="rId2"/>
@@ -21,12 +21,13 @@
     <p:sldId id="275" r:id="rId12"/>
     <p:sldId id="638" r:id="rId13"/>
     <p:sldId id="284" r:id="rId14"/>
-    <p:sldId id="276" r:id="rId15"/>
-    <p:sldId id="639" r:id="rId16"/>
-    <p:sldId id="285" r:id="rId17"/>
-    <p:sldId id="278" r:id="rId18"/>
-    <p:sldId id="279" r:id="rId19"/>
-    <p:sldId id="267" r:id="rId20"/>
+    <p:sldId id="642" r:id="rId15"/>
+    <p:sldId id="276" r:id="rId16"/>
+    <p:sldId id="639" r:id="rId17"/>
+    <p:sldId id="285" r:id="rId18"/>
+    <p:sldId id="278" r:id="rId19"/>
+    <p:sldId id="279" r:id="rId20"/>
+    <p:sldId id="267" r:id="rId21"/>
   </p:sldIdLst>
   <p:sldSz cx="9144000" cy="5143500" type="screen16x9"/>
   <p:notesSz cx="6858000" cy="9144000"/>
@@ -1264,6 +1265,115 @@
   <p:cSld>
     <p:spTree>
       <p:nvGrpSpPr>
+        <p:cNvPr id="1" name="Shape 153"/>
+        <p:cNvGrpSpPr/>
+        <p:nvPr/>
+      </p:nvGrpSpPr>
+      <p:grpSpPr>
+        <a:xfrm>
+          <a:off x="0" y="0"/>
+          <a:ext cx="0" cy="0"/>
+          <a:chOff x="0" y="0"/>
+          <a:chExt cx="0" cy="0"/>
+        </a:xfrm>
+      </p:grpSpPr>
+      <p:sp>
+        <p:nvSpPr>
+          <p:cNvPr id="154" name="Google Shape;154;g146cbe31ecc_0_86:notes"/>
+          <p:cNvSpPr>
+            <a:spLocks noGrp="1" noRot="1" noChangeAspect="1"/>
+          </p:cNvSpPr>
+          <p:nvPr>
+            <p:ph type="sldImg" idx="2"/>
+          </p:nvPr>
+        </p:nvSpPr>
+        <p:spPr>
+          <a:xfrm>
+            <a:off x="381000" y="685800"/>
+            <a:ext cx="6096000" cy="3429000"/>
+          </a:xfrm>
+          <a:custGeom>
+            <a:avLst/>
+            <a:gdLst/>
+            <a:ahLst/>
+            <a:cxnLst/>
+            <a:rect l="l" t="t" r="r" b="b"/>
+            <a:pathLst>
+              <a:path w="120000" h="120000" extrusionOk="0">
+                <a:moveTo>
+                  <a:pt x="0" y="0"/>
+                </a:moveTo>
+                <a:lnTo>
+                  <a:pt x="120000" y="0"/>
+                </a:lnTo>
+                <a:lnTo>
+                  <a:pt x="120000" y="120000"/>
+                </a:lnTo>
+                <a:lnTo>
+                  <a:pt x="0" y="120000"/>
+                </a:lnTo>
+                <a:close/>
+              </a:path>
+            </a:pathLst>
+          </a:custGeom>
+        </p:spPr>
+      </p:sp>
+      <p:sp>
+        <p:nvSpPr>
+          <p:cNvPr id="155" name="Google Shape;155;g146cbe31ecc_0_86:notes"/>
+          <p:cNvSpPr txBox="1">
+            <a:spLocks noGrp="1"/>
+          </p:cNvSpPr>
+          <p:nvPr>
+            <p:ph type="body" idx="1"/>
+          </p:nvPr>
+        </p:nvSpPr>
+        <p:spPr>
+          <a:xfrm>
+            <a:off x="685800" y="4343400"/>
+            <a:ext cx="5486400" cy="4114800"/>
+          </a:xfrm>
+          <a:prstGeom prst="rect">
+            <a:avLst/>
+          </a:prstGeom>
+        </p:spPr>
+        <p:txBody>
+          <a:bodyPr spcFirstLastPara="1" wrap="square" lIns="91425" tIns="91425" rIns="91425" bIns="91425" anchor="t" anchorCtr="0">
+            <a:noAutofit/>
+          </a:bodyPr>
+          <a:lstStyle/>
+          <a:p>
+            <a:pPr marL="0" lvl="0" indent="0" algn="l" rtl="0">
+              <a:spcBef>
+                <a:spcPts val="0"/>
+              </a:spcBef>
+              <a:spcAft>
+                <a:spcPts val="0"/>
+              </a:spcAft>
+              <a:buNone/>
+            </a:pPr>
+            <a:endParaRPr/>
+          </a:p>
+        </p:txBody>
+      </p:sp>
+    </p:spTree>
+    <p:extLst>
+      <p:ext uri="{BB962C8B-B14F-4D97-AF65-F5344CB8AC3E}">
+        <p14:creationId xmlns:p14="http://schemas.microsoft.com/office/powerpoint/2010/main" val="1269388855"/>
+      </p:ext>
+    </p:extLst>
+  </p:cSld>
+  <p:clrMapOvr>
+    <a:masterClrMapping/>
+  </p:clrMapOvr>
+</p:notes>
+</file>
+
+<file path=ppt/notesSlides/notesSlide15.xml><?xml version="1.0" encoding="utf-8"?>
+<p:notes xmlns:a="http://schemas.openxmlformats.org/drawingml/2006/main" xmlns:r="http://schemas.openxmlformats.org/officeDocument/2006/relationships" xmlns:p="http://schemas.openxmlformats.org/presentationml/2006/main" showMasterSp="0" showMasterPhAnim="0">
+  <p:cSld>
+    <p:spTree>
+      <p:nvGrpSpPr>
         <p:cNvPr id="1" name="Shape 141"/>
         <p:cNvGrpSpPr/>
         <p:nvPr/>
@@ -1359,115 +1469,6 @@
     <p:extLst>
       <p:ext uri="{BB962C8B-B14F-4D97-AF65-F5344CB8AC3E}">
         <p14:creationId xmlns:p14="http://schemas.microsoft.com/office/powerpoint/2010/main" val="1233311338"/>
-      </p:ext>
-    </p:extLst>
-  </p:cSld>
-  <p:clrMapOvr>
-    <a:masterClrMapping/>
-  </p:clrMapOvr>
-</p:notes>
-</file>
-
-<file path=ppt/notesSlides/notesSlide15.xml><?xml version="1.0" encoding="utf-8"?>
-<p:notes xmlns:a="http://schemas.openxmlformats.org/drawingml/2006/main" xmlns:r="http://schemas.openxmlformats.org/officeDocument/2006/relationships" xmlns:p="http://schemas.openxmlformats.org/presentationml/2006/main" showMasterSp="0" showMasterPhAnim="0">
-  <p:cSld>
-    <p:spTree>
-      <p:nvGrpSpPr>
-        <p:cNvPr id="1" name="Shape 153"/>
-        <p:cNvGrpSpPr/>
-        <p:nvPr/>
-      </p:nvGrpSpPr>
-      <p:grpSpPr>
-        <a:xfrm>
-          <a:off x="0" y="0"/>
-          <a:ext cx="0" cy="0"/>
-          <a:chOff x="0" y="0"/>
-          <a:chExt cx="0" cy="0"/>
-        </a:xfrm>
-      </p:grpSpPr>
-      <p:sp>
-        <p:nvSpPr>
-          <p:cNvPr id="154" name="Google Shape;154;g146cbe31ecc_0_86:notes"/>
-          <p:cNvSpPr>
-            <a:spLocks noGrp="1" noRot="1" noChangeAspect="1"/>
-          </p:cNvSpPr>
-          <p:nvPr>
-            <p:ph type="sldImg" idx="2"/>
-          </p:nvPr>
-        </p:nvSpPr>
-        <p:spPr>
-          <a:xfrm>
-            <a:off x="381000" y="685800"/>
-            <a:ext cx="6096000" cy="3429000"/>
-          </a:xfrm>
-          <a:custGeom>
-            <a:avLst/>
-            <a:gdLst/>
-            <a:ahLst/>
-            <a:cxnLst/>
-            <a:rect l="l" t="t" r="r" b="b"/>
-            <a:pathLst>
-              <a:path w="120000" h="120000" extrusionOk="0">
-                <a:moveTo>
-                  <a:pt x="0" y="0"/>
-                </a:moveTo>
-                <a:lnTo>
-                  <a:pt x="120000" y="0"/>
-                </a:lnTo>
-                <a:lnTo>
-                  <a:pt x="120000" y="120000"/>
-                </a:lnTo>
-                <a:lnTo>
-                  <a:pt x="0" y="120000"/>
-                </a:lnTo>
-                <a:close/>
-              </a:path>
-            </a:pathLst>
-          </a:custGeom>
-        </p:spPr>
-      </p:sp>
-      <p:sp>
-        <p:nvSpPr>
-          <p:cNvPr id="155" name="Google Shape;155;g146cbe31ecc_0_86:notes"/>
-          <p:cNvSpPr txBox="1">
-            <a:spLocks noGrp="1"/>
-          </p:cNvSpPr>
-          <p:nvPr>
-            <p:ph type="body" idx="1"/>
-          </p:nvPr>
-        </p:nvSpPr>
-        <p:spPr>
-          <a:xfrm>
-            <a:off x="685800" y="4343400"/>
-            <a:ext cx="5486400" cy="4114800"/>
-          </a:xfrm>
-          <a:prstGeom prst="rect">
-            <a:avLst/>
-          </a:prstGeom>
-        </p:spPr>
-        <p:txBody>
-          <a:bodyPr spcFirstLastPara="1" wrap="square" lIns="91425" tIns="91425" rIns="91425" bIns="91425" anchor="t" anchorCtr="0">
-            <a:noAutofit/>
-          </a:bodyPr>
-          <a:lstStyle/>
-          <a:p>
-            <a:pPr marL="0" lvl="0" indent="0" algn="l" rtl="0">
-              <a:spcBef>
-                <a:spcPts val="0"/>
-              </a:spcBef>
-              <a:spcAft>
-                <a:spcPts val="0"/>
-              </a:spcAft>
-              <a:buNone/>
-            </a:pPr>
-            <a:endParaRPr/>
-          </a:p>
-        </p:txBody>
-      </p:sp>
-    </p:spTree>
-    <p:extLst>
-      <p:ext uri="{BB962C8B-B14F-4D97-AF65-F5344CB8AC3E}">
-        <p14:creationId xmlns:p14="http://schemas.microsoft.com/office/powerpoint/2010/main" val="252778259"/>
       </p:ext>
     </p:extLst>
   </p:cSld>
@@ -1576,7 +1577,7 @@
     </p:spTree>
     <p:extLst>
       <p:ext uri="{BB962C8B-B14F-4D97-AF65-F5344CB8AC3E}">
-        <p14:creationId xmlns:p14="http://schemas.microsoft.com/office/powerpoint/2010/main" val="3498927726"/>
+        <p14:creationId xmlns:p14="http://schemas.microsoft.com/office/powerpoint/2010/main" val="252778259"/>
       </p:ext>
     </p:extLst>
   </p:cSld>
@@ -1591,7 +1592,7 @@
   <p:cSld>
     <p:spTree>
       <p:nvGrpSpPr>
-        <p:cNvPr id="1" name="Shape 141"/>
+        <p:cNvPr id="1" name="Shape 153"/>
         <p:cNvGrpSpPr/>
         <p:nvPr/>
       </p:nvGrpSpPr>
@@ -1605,7 +1606,7 @@
       </p:grpSpPr>
       <p:sp>
         <p:nvSpPr>
-          <p:cNvPr id="142" name="Google Shape;142;g146cbe31ecc_0_96:notes"/>
+          <p:cNvPr id="154" name="Google Shape;154;g146cbe31ecc_0_86:notes"/>
           <p:cNvSpPr>
             <a:spLocks noGrp="1" noRot="1" noChangeAspect="1"/>
           </p:cNvSpPr>
@@ -1646,7 +1647,7 @@
       </p:sp>
       <p:sp>
         <p:nvSpPr>
-          <p:cNvPr id="143" name="Google Shape;143;g146cbe31ecc_0_96:notes"/>
+          <p:cNvPr id="155" name="Google Shape;155;g146cbe31ecc_0_86:notes"/>
           <p:cNvSpPr txBox="1">
             <a:spLocks noGrp="1"/>
           </p:cNvSpPr>
@@ -1685,7 +1686,7 @@
     </p:spTree>
     <p:extLst>
       <p:ext uri="{BB962C8B-B14F-4D97-AF65-F5344CB8AC3E}">
-        <p14:creationId xmlns:p14="http://schemas.microsoft.com/office/powerpoint/2010/main" val="4066291479"/>
+        <p14:creationId xmlns:p14="http://schemas.microsoft.com/office/powerpoint/2010/main" val="3498927726"/>
       </p:ext>
     </p:extLst>
   </p:cSld>
@@ -1794,7 +1795,7 @@
     </p:spTree>
     <p:extLst>
       <p:ext uri="{BB962C8B-B14F-4D97-AF65-F5344CB8AC3E}">
-        <p14:creationId xmlns:p14="http://schemas.microsoft.com/office/powerpoint/2010/main" val="1623051584"/>
+        <p14:creationId xmlns:p14="http://schemas.microsoft.com/office/powerpoint/2010/main" val="4066291479"/>
       </p:ext>
     </p:extLst>
   </p:cSld>
@@ -1809,7 +1810,7 @@
   <p:cSld>
     <p:spTree>
       <p:nvGrpSpPr>
-        <p:cNvPr id="1" name="Shape 177"/>
+        <p:cNvPr id="1" name="Shape 141"/>
         <p:cNvGrpSpPr/>
         <p:nvPr/>
       </p:nvGrpSpPr>
@@ -1823,7 +1824,7 @@
       </p:grpSpPr>
       <p:sp>
         <p:nvSpPr>
-          <p:cNvPr id="178" name="Google Shape;178;g144aaa0767c_0_104:notes"/>
+          <p:cNvPr id="142" name="Google Shape;142;g146cbe31ecc_0_96:notes"/>
           <p:cNvSpPr>
             <a:spLocks noGrp="1" noRot="1" noChangeAspect="1"/>
           </p:cNvSpPr>
@@ -1864,7 +1865,7 @@
       </p:sp>
       <p:sp>
         <p:nvSpPr>
-          <p:cNvPr id="179" name="Google Shape;179;g144aaa0767c_0_104:notes"/>
+          <p:cNvPr id="143" name="Google Shape;143;g146cbe31ecc_0_96:notes"/>
           <p:cNvSpPr txBox="1">
             <a:spLocks noGrp="1"/>
           </p:cNvSpPr>
@@ -1901,6 +1902,11 @@
         </p:txBody>
       </p:sp>
     </p:spTree>
+    <p:extLst>
+      <p:ext uri="{BB962C8B-B14F-4D97-AF65-F5344CB8AC3E}">
+        <p14:creationId xmlns:p14="http://schemas.microsoft.com/office/powerpoint/2010/main" val="1623051584"/>
+      </p:ext>
+    </p:extLst>
   </p:cSld>
   <p:clrMapOvr>
     <a:masterClrMapping/>
@@ -2010,6 +2016,110 @@
         <p14:creationId xmlns:p14="http://schemas.microsoft.com/office/powerpoint/2010/main" val="794628929"/>
       </p:ext>
     </p:extLst>
+  </p:cSld>
+  <p:clrMapOvr>
+    <a:masterClrMapping/>
+  </p:clrMapOvr>
+</p:notes>
+</file>
+
+<file path=ppt/notesSlides/notesSlide20.xml><?xml version="1.0" encoding="utf-8"?>
+<p:notes xmlns:a="http://schemas.openxmlformats.org/drawingml/2006/main" xmlns:r="http://schemas.openxmlformats.org/officeDocument/2006/relationships" xmlns:p="http://schemas.openxmlformats.org/presentationml/2006/main" showMasterSp="0" showMasterPhAnim="0">
+  <p:cSld>
+    <p:spTree>
+      <p:nvGrpSpPr>
+        <p:cNvPr id="1" name="Shape 177"/>
+        <p:cNvGrpSpPr/>
+        <p:nvPr/>
+      </p:nvGrpSpPr>
+      <p:grpSpPr>
+        <a:xfrm>
+          <a:off x="0" y="0"/>
+          <a:ext cx="0" cy="0"/>
+          <a:chOff x="0" y="0"/>
+          <a:chExt cx="0" cy="0"/>
+        </a:xfrm>
+      </p:grpSpPr>
+      <p:sp>
+        <p:nvSpPr>
+          <p:cNvPr id="178" name="Google Shape;178;g144aaa0767c_0_104:notes"/>
+          <p:cNvSpPr>
+            <a:spLocks noGrp="1" noRot="1" noChangeAspect="1"/>
+          </p:cNvSpPr>
+          <p:nvPr>
+            <p:ph type="sldImg" idx="2"/>
+          </p:nvPr>
+        </p:nvSpPr>
+        <p:spPr>
+          <a:xfrm>
+            <a:off x="381000" y="685800"/>
+            <a:ext cx="6096000" cy="3429000"/>
+          </a:xfrm>
+          <a:custGeom>
+            <a:avLst/>
+            <a:gdLst/>
+            <a:ahLst/>
+            <a:cxnLst/>
+            <a:rect l="l" t="t" r="r" b="b"/>
+            <a:pathLst>
+              <a:path w="120000" h="120000" extrusionOk="0">
+                <a:moveTo>
+                  <a:pt x="0" y="0"/>
+                </a:moveTo>
+                <a:lnTo>
+                  <a:pt x="120000" y="0"/>
+                </a:lnTo>
+                <a:lnTo>
+                  <a:pt x="120000" y="120000"/>
+                </a:lnTo>
+                <a:lnTo>
+                  <a:pt x="0" y="120000"/>
+                </a:lnTo>
+                <a:close/>
+              </a:path>
+            </a:pathLst>
+          </a:custGeom>
+        </p:spPr>
+      </p:sp>
+      <p:sp>
+        <p:nvSpPr>
+          <p:cNvPr id="179" name="Google Shape;179;g144aaa0767c_0_104:notes"/>
+          <p:cNvSpPr txBox="1">
+            <a:spLocks noGrp="1"/>
+          </p:cNvSpPr>
+          <p:nvPr>
+            <p:ph type="body" idx="1"/>
+          </p:nvPr>
+        </p:nvSpPr>
+        <p:spPr>
+          <a:xfrm>
+            <a:off x="685800" y="4343400"/>
+            <a:ext cx="5486400" cy="4114800"/>
+          </a:xfrm>
+          <a:prstGeom prst="rect">
+            <a:avLst/>
+          </a:prstGeom>
+        </p:spPr>
+        <p:txBody>
+          <a:bodyPr spcFirstLastPara="1" wrap="square" lIns="91425" tIns="91425" rIns="91425" bIns="91425" anchor="t" anchorCtr="0">
+            <a:noAutofit/>
+          </a:bodyPr>
+          <a:lstStyle/>
+          <a:p>
+            <a:pPr marL="0" lvl="0" indent="0" algn="l" rtl="0">
+              <a:spcBef>
+                <a:spcPts val="0"/>
+              </a:spcBef>
+              <a:spcAft>
+                <a:spcPts val="0"/>
+              </a:spcAft>
+              <a:buNone/>
+            </a:pPr>
+            <a:endParaRPr/>
+          </a:p>
+        </p:txBody>
+      </p:sp>
+    </p:spTree>
   </p:cSld>
   <p:clrMapOvr>
     <a:masterClrMapping/>
@@ -7846,6 +7956,234 @@
   <p:cSld>
     <p:spTree>
       <p:nvGrpSpPr>
+        <p:cNvPr id="1" name="Shape 156"/>
+        <p:cNvGrpSpPr/>
+        <p:nvPr/>
+      </p:nvGrpSpPr>
+      <p:grpSpPr>
+        <a:xfrm>
+          <a:off x="0" y="0"/>
+          <a:ext cx="0" cy="0"/>
+          <a:chOff x="0" y="0"/>
+          <a:chExt cx="0" cy="0"/>
+        </a:xfrm>
+      </p:grpSpPr>
+      <p:sp>
+        <p:nvSpPr>
+          <p:cNvPr id="157" name="Google Shape;157;p25"/>
+          <p:cNvSpPr txBox="1">
+            <a:spLocks noGrp="1"/>
+          </p:cNvSpPr>
+          <p:nvPr>
+            <p:ph type="title"/>
+          </p:nvPr>
+        </p:nvSpPr>
+        <p:spPr>
+          <a:xfrm>
+            <a:off x="311700" y="410000"/>
+            <a:ext cx="8520600" cy="607800"/>
+          </a:xfrm>
+          <a:prstGeom prst="rect">
+            <a:avLst/>
+          </a:prstGeom>
+        </p:spPr>
+        <p:txBody>
+          <a:bodyPr spcFirstLastPara="1" wrap="square" lIns="91425" tIns="91425" rIns="91425" bIns="91425" anchor="t" anchorCtr="0">
+            <a:normAutofit fontScale="90000"/>
+          </a:bodyPr>
+          <a:lstStyle/>
+          <a:p>
+            <a:pPr marL="0" lvl="0" indent="0" algn="l" rtl="0">
+              <a:spcBef>
+                <a:spcPts val="0"/>
+              </a:spcBef>
+              <a:spcAft>
+                <a:spcPts val="0"/>
+              </a:spcAft>
+              <a:buNone/>
+            </a:pPr>
+            <a:r>
+              <a:rPr lang="en-US" dirty="0"/>
+              <a:t>Today: We Will Look At These Issues In Security</a:t>
+            </a:r>
+            <a:endParaRPr dirty="0"/>
+          </a:p>
+        </p:txBody>
+      </p:sp>
+      <p:sp>
+        <p:nvSpPr>
+          <p:cNvPr id="158" name="Google Shape;158;p25"/>
+          <p:cNvSpPr txBox="1">
+            <a:spLocks noGrp="1"/>
+          </p:cNvSpPr>
+          <p:nvPr>
+            <p:ph type="body" idx="1"/>
+          </p:nvPr>
+        </p:nvSpPr>
+        <p:spPr>
+          <a:xfrm>
+            <a:off x="280350" y="1266450"/>
+            <a:ext cx="8520600" cy="3339000"/>
+          </a:xfrm>
+          <a:prstGeom prst="rect">
+            <a:avLst/>
+          </a:prstGeom>
+        </p:spPr>
+        <p:txBody>
+          <a:bodyPr spcFirstLastPara="1" wrap="square" lIns="91425" tIns="91425" rIns="91425" bIns="91425" anchor="t" anchorCtr="0">
+            <a:normAutofit/>
+          </a:bodyPr>
+          <a:lstStyle/>
+          <a:p>
+            <a:pPr marL="285750" indent="-285750">
+              <a:spcAft>
+                <a:spcPts val="1200"/>
+              </a:spcAft>
+            </a:pPr>
+            <a:r>
+              <a:rPr lang="en-US" sz="1800" b="0" i="0" u="none" strike="noStrike" dirty="0">
+                <a:solidFill>
+                  <a:srgbClr val="434343"/>
+                </a:solidFill>
+                <a:effectLst/>
+                <a:latin typeface="Open Sans Medium" pitchFamily="2" charset="0"/>
+              </a:rPr>
+              <a:t>[Improvement] ZA/NM05 - Proposed rewording for 3.1.5</a:t>
+            </a:r>
+            <a:br>
+              <a:rPr lang="en-US" dirty="0">
+                <a:solidFill>
+                  <a:srgbClr val="000000"/>
+                </a:solidFill>
+                <a:latin typeface="ArialMT"/>
+              </a:rPr>
+            </a:br>
+            <a:r>
+              <a:rPr lang="en-US" sz="1800" b="0" i="0" u="none" strike="noStrike" dirty="0">
+                <a:solidFill>
+                  <a:srgbClr val="434343"/>
+                </a:solidFill>
+                <a:effectLst/>
+                <a:latin typeface="Open Sans Medium" pitchFamily="2" charset="0"/>
+                <a:hlinkClick r:id="rId3"/>
+              </a:rPr>
+              <a:t>https://github.com/OpenChain-Project/Security-Assurance-Specification/issues/18</a:t>
+            </a:r>
+            <a:endParaRPr lang="en-US" b="0" i="0" u="none" strike="noStrike" dirty="0">
+              <a:solidFill>
+                <a:srgbClr val="000000"/>
+              </a:solidFill>
+              <a:effectLst/>
+              <a:latin typeface="ArialMT"/>
+            </a:endParaRPr>
+          </a:p>
+          <a:p>
+            <a:pPr marL="285750" indent="-285750">
+              <a:spcAft>
+                <a:spcPts val="1200"/>
+              </a:spcAft>
+            </a:pPr>
+            <a:r>
+              <a:rPr lang="en-US" sz="1800" b="0" i="0" u="none" strike="noStrike" dirty="0">
+                <a:solidFill>
+                  <a:srgbClr val="434343"/>
+                </a:solidFill>
+                <a:effectLst/>
+                <a:latin typeface="Open Sans Medium" pitchFamily="2" charset="0"/>
+              </a:rPr>
+              <a:t>[Improvement] Add triage entry to specific situations where vulnerability not appliable</a:t>
+            </a:r>
+            <a:br>
+              <a:rPr lang="en-US" sz="1800" b="0" i="0" u="none" strike="noStrike" dirty="0">
+                <a:solidFill>
+                  <a:srgbClr val="434343"/>
+                </a:solidFill>
+                <a:effectLst/>
+                <a:latin typeface="Open Sans Medium" pitchFamily="2" charset="0"/>
+              </a:rPr>
+            </a:br>
+            <a:r>
+              <a:rPr lang="en-US" sz="1800" b="0" i="0" u="none" strike="noStrike" dirty="0">
+                <a:solidFill>
+                  <a:srgbClr val="434343"/>
+                </a:solidFill>
+                <a:effectLst/>
+                <a:latin typeface="Open Sans Medium" pitchFamily="2" charset="0"/>
+                <a:hlinkClick r:id="rId4"/>
+              </a:rPr>
+              <a:t>https://github.com/OpenChain-Project/Security-Assurance-Specification/issues/29</a:t>
+            </a:r>
+            <a:endParaRPr lang="en-US" b="0" i="0" u="none" strike="noStrike" dirty="0">
+              <a:solidFill>
+                <a:srgbClr val="000000"/>
+              </a:solidFill>
+              <a:effectLst/>
+              <a:latin typeface="ArialMT"/>
+            </a:endParaRPr>
+          </a:p>
+          <a:p>
+            <a:pPr marL="285750" indent="-285750">
+              <a:spcAft>
+                <a:spcPts val="1200"/>
+              </a:spcAft>
+            </a:pPr>
+            <a:r>
+              <a:rPr lang="en-US" sz="1800" b="0" i="0" u="none" strike="noStrike" dirty="0">
+                <a:solidFill>
+                  <a:srgbClr val="434343"/>
+                </a:solidFill>
+                <a:effectLst/>
+                <a:latin typeface="Open Sans Medium" pitchFamily="2" charset="0"/>
+              </a:rPr>
+              <a:t>[New Material] What is a quality or complete SBOM for licensing or security use cases?</a:t>
+            </a:r>
+            <a:br>
+              <a:rPr lang="en-US" dirty="0">
+                <a:solidFill>
+                  <a:srgbClr val="000000"/>
+                </a:solidFill>
+                <a:latin typeface="ArialMT"/>
+              </a:rPr>
+            </a:br>
+            <a:r>
+              <a:rPr lang="en-US" sz="1800" b="0" i="0" u="none" strike="noStrike" dirty="0">
+                <a:solidFill>
+                  <a:srgbClr val="434343"/>
+                </a:solidFill>
+                <a:effectLst/>
+                <a:latin typeface="Open Sans Medium" pitchFamily="2" charset="0"/>
+                <a:hlinkClick r:id="rId5"/>
+              </a:rPr>
+              <a:t>https://github.com/OpenChain-Project/Security-Assurance-Specification/issues/32</a:t>
+            </a:r>
+            <a:endParaRPr lang="en-US" b="0" i="0" u="none" strike="noStrike" dirty="0">
+              <a:solidFill>
+                <a:srgbClr val="000000"/>
+              </a:solidFill>
+              <a:effectLst/>
+              <a:latin typeface="ArialMT"/>
+            </a:endParaRPr>
+          </a:p>
+        </p:txBody>
+      </p:sp>
+    </p:spTree>
+    <p:extLst>
+      <p:ext uri="{BB962C8B-B14F-4D97-AF65-F5344CB8AC3E}">
+        <p14:creationId xmlns:p14="http://schemas.microsoft.com/office/powerpoint/2010/main" val="1325145814"/>
+      </p:ext>
+    </p:extLst>
+  </p:cSld>
+  <p:clrMapOvr>
+    <a:masterClrMapping/>
+  </p:clrMapOvr>
+</p:sld>
+</file>
+
+<file path=ppt/slides/slide15.xml><?xml version="1.0" encoding="utf-8"?>
+<p:sld xmlns:a="http://schemas.openxmlformats.org/drawingml/2006/main" xmlns:r="http://schemas.openxmlformats.org/officeDocument/2006/relationships" xmlns:p="http://schemas.openxmlformats.org/presentationml/2006/main">
+  <p:cSld>
+    <p:spTree>
+      <p:nvGrpSpPr>
         <p:cNvPr id="1" name="Shape 144"/>
         <p:cNvGrpSpPr/>
         <p:nvPr/>
@@ -7904,123 +8242,6 @@
     <p:extLst>
       <p:ext uri="{BB962C8B-B14F-4D97-AF65-F5344CB8AC3E}">
         <p14:creationId xmlns:p14="http://schemas.microsoft.com/office/powerpoint/2010/main" val="12832095"/>
-      </p:ext>
-    </p:extLst>
-  </p:cSld>
-  <p:clrMapOvr>
-    <a:masterClrMapping/>
-  </p:clrMapOvr>
-</p:sld>
-</file>
-
-<file path=ppt/slides/slide15.xml><?xml version="1.0" encoding="utf-8"?>
-<p:sld xmlns:a="http://schemas.openxmlformats.org/drawingml/2006/main" xmlns:r="http://schemas.openxmlformats.org/officeDocument/2006/relationships" xmlns:p="http://schemas.openxmlformats.org/presentationml/2006/main">
-  <p:cSld>
-    <p:spTree>
-      <p:nvGrpSpPr>
-        <p:cNvPr id="1" name="Shape 156"/>
-        <p:cNvGrpSpPr/>
-        <p:nvPr/>
-      </p:nvGrpSpPr>
-      <p:grpSpPr>
-        <a:xfrm>
-          <a:off x="0" y="0"/>
-          <a:ext cx="0" cy="0"/>
-          <a:chOff x="0" y="0"/>
-          <a:chExt cx="0" cy="0"/>
-        </a:xfrm>
-      </p:grpSpPr>
-      <p:sp>
-        <p:nvSpPr>
-          <p:cNvPr id="157" name="Google Shape;157;p25"/>
-          <p:cNvSpPr txBox="1">
-            <a:spLocks noGrp="1"/>
-          </p:cNvSpPr>
-          <p:nvPr>
-            <p:ph type="title"/>
-          </p:nvPr>
-        </p:nvSpPr>
-        <p:spPr>
-          <a:prstGeom prst="rect">
-            <a:avLst/>
-          </a:prstGeom>
-        </p:spPr>
-        <p:txBody>
-          <a:bodyPr spcFirstLastPara="1" wrap="square" lIns="91425" tIns="91425" rIns="91425" bIns="91425" anchor="t" anchorCtr="0">
-            <a:normAutofit fontScale="90000"/>
-          </a:bodyPr>
-          <a:lstStyle/>
-          <a:p>
-            <a:pPr marL="0" lvl="0" indent="0" algn="l" rtl="0">
-              <a:spcBef>
-                <a:spcPts val="0"/>
-              </a:spcBef>
-              <a:spcAft>
-                <a:spcPts val="0"/>
-              </a:spcAft>
-              <a:buNone/>
-            </a:pPr>
-            <a:r>
-              <a:rPr lang="en-US" dirty="0"/>
-              <a:t>OpenChain Education Study Group</a:t>
-            </a:r>
-            <a:endParaRPr dirty="0"/>
-          </a:p>
-        </p:txBody>
-      </p:sp>
-      <p:sp>
-        <p:nvSpPr>
-          <p:cNvPr id="2" name="Text Placeholder 1">
-            <a:extLst>
-              <a:ext uri="{FF2B5EF4-FFF2-40B4-BE49-F238E27FC236}">
-                <a16:creationId xmlns:a16="http://schemas.microsoft.com/office/drawing/2014/main" id="{DC74BFC9-0CAA-96ED-C62F-283510652636}"/>
-              </a:ext>
-            </a:extLst>
-          </p:cNvPr>
-          <p:cNvSpPr>
-            <a:spLocks noGrp="1"/>
-          </p:cNvSpPr>
-          <p:nvPr>
-            <p:ph type="body" idx="1"/>
-          </p:nvPr>
-        </p:nvSpPr>
-        <p:spPr/>
-        <p:txBody>
-          <a:bodyPr>
-            <a:normAutofit/>
-          </a:bodyPr>
-          <a:lstStyle/>
-          <a:p>
-            <a:pPr marL="114300" indent="0">
-              <a:buNone/>
-            </a:pPr>
-            <a:r>
-              <a:rPr lang="en-US" b="1" dirty="0"/>
-              <a:t>OpenChain Education Work Group Meeting – 2024-03-05 – Full Recording</a:t>
-            </a:r>
-          </a:p>
-          <a:p>
-            <a:pPr marL="114300" indent="0">
-              <a:buNone/>
-            </a:pPr>
-            <a:r>
-              <a:rPr lang="en-US" dirty="0">
-                <a:hlinkClick r:id="rId3"/>
-              </a:rPr>
-              <a:t>https://www.openchainproject.org/news/2024/03/07/openchain-education-work-group-meeting-2024-03-05-full-recording</a:t>
-            </a:r>
-            <a:r>
-              <a:rPr lang="en-US" b="1" dirty="0"/>
-              <a:t> </a:t>
-            </a:r>
-            <a:endParaRPr lang="en-US" dirty="0"/>
-          </a:p>
-        </p:txBody>
-      </p:sp>
-    </p:spTree>
-    <p:extLst>
-      <p:ext uri="{BB962C8B-B14F-4D97-AF65-F5344CB8AC3E}">
-        <p14:creationId xmlns:p14="http://schemas.microsoft.com/office/powerpoint/2010/main" val="1859896730"/>
       </p:ext>
     </p:extLst>
   </p:cSld>
@@ -8058,6 +8279,123 @@
           </p:nvPr>
         </p:nvSpPr>
         <p:spPr>
+          <a:prstGeom prst="rect">
+            <a:avLst/>
+          </a:prstGeom>
+        </p:spPr>
+        <p:txBody>
+          <a:bodyPr spcFirstLastPara="1" wrap="square" lIns="91425" tIns="91425" rIns="91425" bIns="91425" anchor="t" anchorCtr="0">
+            <a:normAutofit fontScale="90000"/>
+          </a:bodyPr>
+          <a:lstStyle/>
+          <a:p>
+            <a:pPr marL="0" lvl="0" indent="0" algn="l" rtl="0">
+              <a:spcBef>
+                <a:spcPts val="0"/>
+              </a:spcBef>
+              <a:spcAft>
+                <a:spcPts val="0"/>
+              </a:spcAft>
+              <a:buNone/>
+            </a:pPr>
+            <a:r>
+              <a:rPr lang="en-US" dirty="0"/>
+              <a:t>OpenChain Education Study Group</a:t>
+            </a:r>
+            <a:endParaRPr dirty="0"/>
+          </a:p>
+        </p:txBody>
+      </p:sp>
+      <p:sp>
+        <p:nvSpPr>
+          <p:cNvPr id="2" name="Text Placeholder 1">
+            <a:extLst>
+              <a:ext uri="{FF2B5EF4-FFF2-40B4-BE49-F238E27FC236}">
+                <a16:creationId xmlns:a16="http://schemas.microsoft.com/office/drawing/2014/main" id="{DC74BFC9-0CAA-96ED-C62F-283510652636}"/>
+              </a:ext>
+            </a:extLst>
+          </p:cNvPr>
+          <p:cNvSpPr>
+            <a:spLocks noGrp="1"/>
+          </p:cNvSpPr>
+          <p:nvPr>
+            <p:ph type="body" idx="1"/>
+          </p:nvPr>
+        </p:nvSpPr>
+        <p:spPr/>
+        <p:txBody>
+          <a:bodyPr>
+            <a:normAutofit/>
+          </a:bodyPr>
+          <a:lstStyle/>
+          <a:p>
+            <a:pPr marL="114300" indent="0">
+              <a:buNone/>
+            </a:pPr>
+            <a:r>
+              <a:rPr lang="en-US" b="1" dirty="0"/>
+              <a:t>OpenChain Education Work Group Meeting – 2024-03-05 – Full Recording</a:t>
+            </a:r>
+          </a:p>
+          <a:p>
+            <a:pPr marL="114300" indent="0">
+              <a:buNone/>
+            </a:pPr>
+            <a:r>
+              <a:rPr lang="en-US" dirty="0">
+                <a:hlinkClick r:id="rId3"/>
+              </a:rPr>
+              <a:t>https://www.openchainproject.org/news/2024/03/07/openchain-education-work-group-meeting-2024-03-05-full-recording</a:t>
+            </a:r>
+            <a:r>
+              <a:rPr lang="en-US" b="1" dirty="0"/>
+              <a:t> </a:t>
+            </a:r>
+            <a:endParaRPr lang="en-US" dirty="0"/>
+          </a:p>
+        </p:txBody>
+      </p:sp>
+    </p:spTree>
+    <p:extLst>
+      <p:ext uri="{BB962C8B-B14F-4D97-AF65-F5344CB8AC3E}">
+        <p14:creationId xmlns:p14="http://schemas.microsoft.com/office/powerpoint/2010/main" val="1859896730"/>
+      </p:ext>
+    </p:extLst>
+  </p:cSld>
+  <p:clrMapOvr>
+    <a:masterClrMapping/>
+  </p:clrMapOvr>
+</p:sld>
+</file>
+
+<file path=ppt/slides/slide17.xml><?xml version="1.0" encoding="utf-8"?>
+<p:sld xmlns:a="http://schemas.openxmlformats.org/drawingml/2006/main" xmlns:r="http://schemas.openxmlformats.org/officeDocument/2006/relationships" xmlns:p="http://schemas.openxmlformats.org/presentationml/2006/main">
+  <p:cSld>
+    <p:spTree>
+      <p:nvGrpSpPr>
+        <p:cNvPr id="1" name="Shape 156"/>
+        <p:cNvGrpSpPr/>
+        <p:nvPr/>
+      </p:nvGrpSpPr>
+      <p:grpSpPr>
+        <a:xfrm>
+          <a:off x="0" y="0"/>
+          <a:ext cx="0" cy="0"/>
+          <a:chOff x="0" y="0"/>
+          <a:chExt cx="0" cy="0"/>
+        </a:xfrm>
+      </p:grpSpPr>
+      <p:sp>
+        <p:nvSpPr>
+          <p:cNvPr id="157" name="Google Shape;157;p25"/>
+          <p:cNvSpPr txBox="1">
+            <a:spLocks noGrp="1"/>
+          </p:cNvSpPr>
+          <p:nvPr>
+            <p:ph type="title"/>
+          </p:nvPr>
+        </p:nvSpPr>
+        <p:spPr>
           <a:xfrm>
             <a:off x="311700" y="410000"/>
             <a:ext cx="8520600" cy="607800"/>
@@ -8204,78 +8542,6 @@
     <p:extLst>
       <p:ext uri="{BB962C8B-B14F-4D97-AF65-F5344CB8AC3E}">
         <p14:creationId xmlns:p14="http://schemas.microsoft.com/office/powerpoint/2010/main" val="3162429510"/>
-      </p:ext>
-    </p:extLst>
-  </p:cSld>
-  <p:clrMapOvr>
-    <a:masterClrMapping/>
-  </p:clrMapOvr>
-</p:sld>
-</file>
-
-<file path=ppt/slides/slide17.xml><?xml version="1.0" encoding="utf-8"?>
-<p:sld xmlns:a="http://schemas.openxmlformats.org/drawingml/2006/main" xmlns:r="http://schemas.openxmlformats.org/officeDocument/2006/relationships" xmlns:p="http://schemas.openxmlformats.org/presentationml/2006/main">
-  <p:cSld>
-    <p:spTree>
-      <p:nvGrpSpPr>
-        <p:cNvPr id="1" name="Shape 144"/>
-        <p:cNvGrpSpPr/>
-        <p:nvPr/>
-      </p:nvGrpSpPr>
-      <p:grpSpPr>
-        <a:xfrm>
-          <a:off x="0" y="0"/>
-          <a:ext cx="0" cy="0"/>
-          <a:chOff x="0" y="0"/>
-          <a:chExt cx="0" cy="0"/>
-        </a:xfrm>
-      </p:grpSpPr>
-      <p:sp>
-        <p:nvSpPr>
-          <p:cNvPr id="145" name="Google Shape;145;p23"/>
-          <p:cNvSpPr txBox="1">
-            <a:spLocks noGrp="1"/>
-          </p:cNvSpPr>
-          <p:nvPr>
-            <p:ph type="title"/>
-          </p:nvPr>
-        </p:nvSpPr>
-        <p:spPr>
-          <a:xfrm>
-            <a:off x="598100" y="2152347"/>
-            <a:ext cx="8222100" cy="838800"/>
-          </a:xfrm>
-          <a:prstGeom prst="rect">
-            <a:avLst/>
-          </a:prstGeom>
-        </p:spPr>
-        <p:txBody>
-          <a:bodyPr spcFirstLastPara="1" wrap="square" lIns="91425" tIns="91425" rIns="91425" bIns="91425" anchor="ctr" anchorCtr="0">
-            <a:normAutofit/>
-          </a:bodyPr>
-          <a:lstStyle/>
-          <a:p>
-            <a:pPr marL="0" lvl="0" indent="0" algn="l" rtl="0">
-              <a:spcBef>
-                <a:spcPts val="0"/>
-              </a:spcBef>
-              <a:spcAft>
-                <a:spcPts val="0"/>
-              </a:spcAft>
-              <a:buNone/>
-            </a:pPr>
-            <a:r>
-              <a:rPr lang="en-US" dirty="0"/>
-              <a:t>Any other business</a:t>
-            </a:r>
-            <a:endParaRPr dirty="0"/>
-          </a:p>
-        </p:txBody>
-      </p:sp>
-    </p:spTree>
-    <p:extLst>
-      <p:ext uri="{BB962C8B-B14F-4D97-AF65-F5344CB8AC3E}">
-        <p14:creationId xmlns:p14="http://schemas.microsoft.com/office/powerpoint/2010/main" val="2218779714"/>
       </p:ext>
     </p:extLst>
   </p:cSld>
@@ -8338,6 +8604,78 @@
             </a:pPr>
             <a:r>
               <a:rPr lang="en-US" dirty="0"/>
+              <a:t>Any other business</a:t>
+            </a:r>
+            <a:endParaRPr dirty="0"/>
+          </a:p>
+        </p:txBody>
+      </p:sp>
+    </p:spTree>
+    <p:extLst>
+      <p:ext uri="{BB962C8B-B14F-4D97-AF65-F5344CB8AC3E}">
+        <p14:creationId xmlns:p14="http://schemas.microsoft.com/office/powerpoint/2010/main" val="2218779714"/>
+      </p:ext>
+    </p:extLst>
+  </p:cSld>
+  <p:clrMapOvr>
+    <a:masterClrMapping/>
+  </p:clrMapOvr>
+</p:sld>
+</file>
+
+<file path=ppt/slides/slide19.xml><?xml version="1.0" encoding="utf-8"?>
+<p:sld xmlns:a="http://schemas.openxmlformats.org/drawingml/2006/main" xmlns:r="http://schemas.openxmlformats.org/officeDocument/2006/relationships" xmlns:p="http://schemas.openxmlformats.org/presentationml/2006/main">
+  <p:cSld>
+    <p:spTree>
+      <p:nvGrpSpPr>
+        <p:cNvPr id="1" name="Shape 144"/>
+        <p:cNvGrpSpPr/>
+        <p:nvPr/>
+      </p:nvGrpSpPr>
+      <p:grpSpPr>
+        <a:xfrm>
+          <a:off x="0" y="0"/>
+          <a:ext cx="0" cy="0"/>
+          <a:chOff x="0" y="0"/>
+          <a:chExt cx="0" cy="0"/>
+        </a:xfrm>
+      </p:grpSpPr>
+      <p:sp>
+        <p:nvSpPr>
+          <p:cNvPr id="145" name="Google Shape;145;p23"/>
+          <p:cNvSpPr txBox="1">
+            <a:spLocks noGrp="1"/>
+          </p:cNvSpPr>
+          <p:nvPr>
+            <p:ph type="title"/>
+          </p:nvPr>
+        </p:nvSpPr>
+        <p:spPr>
+          <a:xfrm>
+            <a:off x="598100" y="2152347"/>
+            <a:ext cx="8222100" cy="838800"/>
+          </a:xfrm>
+          <a:prstGeom prst="rect">
+            <a:avLst/>
+          </a:prstGeom>
+        </p:spPr>
+        <p:txBody>
+          <a:bodyPr spcFirstLastPara="1" wrap="square" lIns="91425" tIns="91425" rIns="91425" bIns="91425" anchor="ctr" anchorCtr="0">
+            <a:normAutofit/>
+          </a:bodyPr>
+          <a:lstStyle/>
+          <a:p>
+            <a:pPr marL="0" lvl="0" indent="0" algn="l" rtl="0">
+              <a:spcBef>
+                <a:spcPts val="0"/>
+              </a:spcBef>
+              <a:spcAft>
+                <a:spcPts val="0"/>
+              </a:spcAft>
+              <a:buNone/>
+            </a:pPr>
+            <a:r>
+              <a:rPr lang="en-US" dirty="0"/>
               <a:t>Close of meeting</a:t>
             </a:r>
             <a:endParaRPr dirty="0"/>
@@ -8357,7 +8695,183 @@
 </p:sld>
 </file>
 
-<file path=ppt/slides/slide19.xml><?xml version="1.0" encoding="utf-8"?>
+<file path=ppt/slides/slide2.xml><?xml version="1.0" encoding="utf-8"?>
+<p:sld xmlns:a="http://schemas.openxmlformats.org/drawingml/2006/main" xmlns:r="http://schemas.openxmlformats.org/officeDocument/2006/relationships" xmlns:p="http://schemas.openxmlformats.org/presentationml/2006/main">
+  <p:cSld>
+    <p:spTree>
+      <p:nvGrpSpPr>
+        <p:cNvPr id="1" name="Shape 156"/>
+        <p:cNvGrpSpPr/>
+        <p:nvPr/>
+      </p:nvGrpSpPr>
+      <p:grpSpPr>
+        <a:xfrm>
+          <a:off x="0" y="0"/>
+          <a:ext cx="0" cy="0"/>
+          <a:chOff x="0" y="0"/>
+          <a:chExt cx="0" cy="0"/>
+        </a:xfrm>
+      </p:grpSpPr>
+      <p:sp>
+        <p:nvSpPr>
+          <p:cNvPr id="157" name="Google Shape;157;p25"/>
+          <p:cNvSpPr txBox="1">
+            <a:spLocks noGrp="1"/>
+          </p:cNvSpPr>
+          <p:nvPr>
+            <p:ph type="title"/>
+          </p:nvPr>
+        </p:nvSpPr>
+        <p:spPr>
+          <a:xfrm>
+            <a:off x="311700" y="410000"/>
+            <a:ext cx="8520600" cy="607800"/>
+          </a:xfrm>
+          <a:prstGeom prst="rect">
+            <a:avLst/>
+          </a:prstGeom>
+        </p:spPr>
+        <p:txBody>
+          <a:bodyPr spcFirstLastPara="1" wrap="square" lIns="91425" tIns="91425" rIns="91425" bIns="91425" anchor="t" anchorCtr="0">
+            <a:normAutofit fontScale="90000"/>
+          </a:bodyPr>
+          <a:lstStyle/>
+          <a:p>
+            <a:pPr marL="0" lvl="0" indent="0" algn="l" rtl="0">
+              <a:spcBef>
+                <a:spcPts val="0"/>
+              </a:spcBef>
+              <a:spcAft>
+                <a:spcPts val="0"/>
+              </a:spcAft>
+              <a:buNone/>
+            </a:pPr>
+            <a:r>
+              <a:rPr lang="en-US" dirty="0"/>
+              <a:t>Anti-Trust Policy Notice</a:t>
+            </a:r>
+            <a:endParaRPr dirty="0"/>
+          </a:p>
+        </p:txBody>
+      </p:sp>
+      <p:sp>
+        <p:nvSpPr>
+          <p:cNvPr id="158" name="Google Shape;158;p25"/>
+          <p:cNvSpPr txBox="1">
+            <a:spLocks noGrp="1"/>
+          </p:cNvSpPr>
+          <p:nvPr>
+            <p:ph type="body" idx="1"/>
+          </p:nvPr>
+        </p:nvSpPr>
+        <p:spPr>
+          <a:xfrm>
+            <a:off x="280350" y="1266450"/>
+            <a:ext cx="8520600" cy="3339000"/>
+          </a:xfrm>
+          <a:prstGeom prst="rect">
+            <a:avLst/>
+          </a:prstGeom>
+        </p:spPr>
+        <p:txBody>
+          <a:bodyPr spcFirstLastPara="1" wrap="square" lIns="91425" tIns="91425" rIns="91425" bIns="91425" anchor="t" anchorCtr="0">
+            <a:normAutofit fontScale="85000" lnSpcReduction="10000"/>
+          </a:bodyPr>
+          <a:lstStyle/>
+          <a:p>
+            <a:pPr marL="285750" indent="-285750">
+              <a:spcAft>
+                <a:spcPts val="1200"/>
+              </a:spcAft>
+            </a:pPr>
+            <a:r>
+              <a:rPr lang="en-US" dirty="0"/>
+              <a:t>Linux Foundation meetings involve participation by industry competitors, and it is the intention of the Linux Foundation to conduct all of its activities in accordance with applicable antitrust and competition laws. It is therefore extremely important that attendees adhere to meeting agendas, and be aware of, and not participate in, any activities that are prohibited under applicable US state, federal or foreign antitrust and competition laws.</a:t>
+            </a:r>
+          </a:p>
+          <a:p>
+            <a:pPr marL="285750" indent="-285750">
+              <a:spcAft>
+                <a:spcPts val="1200"/>
+              </a:spcAft>
+            </a:pPr>
+            <a:r>
+              <a:rPr lang="en-US" dirty="0"/>
+              <a:t> Examples of types of actions that are prohibited at Linux Foundation meetings and in connection with Linux Foundation activities are described in the Linux Foundation Antitrust Policy available at http://</a:t>
+            </a:r>
+            <a:r>
+              <a:rPr lang="en-US" dirty="0" err="1"/>
+              <a:t>www.linuxfoundation.org</a:t>
+            </a:r>
+            <a:r>
+              <a:rPr lang="en-US" dirty="0"/>
+              <a:t>/antitrust-policy. If you have questions about these matters, please contact your company counsel, or if you are a member of the Linux Foundation, feel free to contact Andrew </a:t>
+            </a:r>
+            <a:r>
+              <a:rPr lang="en-US" dirty="0" err="1"/>
+              <a:t>Updegrove</a:t>
+            </a:r>
+            <a:r>
+              <a:rPr lang="en-US" dirty="0"/>
+              <a:t> of the firm of </a:t>
+            </a:r>
+            <a:r>
+              <a:rPr lang="en-US" dirty="0" err="1"/>
+              <a:t>Gesmer</a:t>
+            </a:r>
+            <a:r>
+              <a:rPr lang="en-US" dirty="0"/>
+              <a:t> </a:t>
+            </a:r>
+            <a:r>
+              <a:rPr lang="en-US" dirty="0" err="1"/>
+              <a:t>Updegrove</a:t>
+            </a:r>
+            <a:r>
+              <a:rPr lang="en-US" dirty="0"/>
+              <a:t> LLP, which provides legal counsel to the Linux Foundation.</a:t>
+            </a:r>
+          </a:p>
+          <a:p>
+            <a:pPr marL="0" lvl="0" indent="0" algn="l" rtl="0">
+              <a:spcBef>
+                <a:spcPts val="0"/>
+              </a:spcBef>
+              <a:spcAft>
+                <a:spcPts val="1200"/>
+              </a:spcAft>
+              <a:buNone/>
+            </a:pPr>
+            <a:endParaRPr lang="en-US" dirty="0"/>
+          </a:p>
+          <a:p>
+            <a:pPr marL="0" lvl="0" indent="0" algn="l" rtl="0">
+              <a:spcBef>
+                <a:spcPts val="0"/>
+              </a:spcBef>
+              <a:spcAft>
+                <a:spcPts val="1200"/>
+              </a:spcAft>
+              <a:buNone/>
+            </a:pPr>
+            <a:endParaRPr dirty="0"/>
+          </a:p>
+        </p:txBody>
+      </p:sp>
+    </p:spTree>
+    <p:extLst>
+      <p:ext uri="{BB962C8B-B14F-4D97-AF65-F5344CB8AC3E}">
+        <p14:creationId xmlns:p14="http://schemas.microsoft.com/office/powerpoint/2010/main" val="1226033584"/>
+      </p:ext>
+    </p:extLst>
+  </p:cSld>
+  <p:clrMapOvr>
+    <a:masterClrMapping/>
+  </p:clrMapOvr>
+</p:sld>
+</file>
+
+<file path=ppt/slides/slide20.xml><?xml version="1.0" encoding="utf-8"?>
 <p:sld xmlns:a="http://schemas.openxmlformats.org/drawingml/2006/main" xmlns:r="http://schemas.openxmlformats.org/officeDocument/2006/relationships" xmlns:p="http://schemas.openxmlformats.org/presentationml/2006/main">
   <p:cSld>
     <p:spTree>
@@ -8403,182 +8917,6 @@
         </p:txBody>
       </p:sp>
     </p:spTree>
-  </p:cSld>
-  <p:clrMapOvr>
-    <a:masterClrMapping/>
-  </p:clrMapOvr>
-</p:sld>
-</file>
-
-<file path=ppt/slides/slide2.xml><?xml version="1.0" encoding="utf-8"?>
-<p:sld xmlns:a="http://schemas.openxmlformats.org/drawingml/2006/main" xmlns:r="http://schemas.openxmlformats.org/officeDocument/2006/relationships" xmlns:p="http://schemas.openxmlformats.org/presentationml/2006/main">
-  <p:cSld>
-    <p:spTree>
-      <p:nvGrpSpPr>
-        <p:cNvPr id="1" name="Shape 156"/>
-        <p:cNvGrpSpPr/>
-        <p:nvPr/>
-      </p:nvGrpSpPr>
-      <p:grpSpPr>
-        <a:xfrm>
-          <a:off x="0" y="0"/>
-          <a:ext cx="0" cy="0"/>
-          <a:chOff x="0" y="0"/>
-          <a:chExt cx="0" cy="0"/>
-        </a:xfrm>
-      </p:grpSpPr>
-      <p:sp>
-        <p:nvSpPr>
-          <p:cNvPr id="157" name="Google Shape;157;p25"/>
-          <p:cNvSpPr txBox="1">
-            <a:spLocks noGrp="1"/>
-          </p:cNvSpPr>
-          <p:nvPr>
-            <p:ph type="title"/>
-          </p:nvPr>
-        </p:nvSpPr>
-        <p:spPr>
-          <a:xfrm>
-            <a:off x="311700" y="410000"/>
-            <a:ext cx="8520600" cy="607800"/>
-          </a:xfrm>
-          <a:prstGeom prst="rect">
-            <a:avLst/>
-          </a:prstGeom>
-        </p:spPr>
-        <p:txBody>
-          <a:bodyPr spcFirstLastPara="1" wrap="square" lIns="91425" tIns="91425" rIns="91425" bIns="91425" anchor="t" anchorCtr="0">
-            <a:normAutofit fontScale="90000"/>
-          </a:bodyPr>
-          <a:lstStyle/>
-          <a:p>
-            <a:pPr marL="0" lvl="0" indent="0" algn="l" rtl="0">
-              <a:spcBef>
-                <a:spcPts val="0"/>
-              </a:spcBef>
-              <a:spcAft>
-                <a:spcPts val="0"/>
-              </a:spcAft>
-              <a:buNone/>
-            </a:pPr>
-            <a:r>
-              <a:rPr lang="en-US" dirty="0"/>
-              <a:t>Anti-Trust Policy Notice</a:t>
-            </a:r>
-            <a:endParaRPr dirty="0"/>
-          </a:p>
-        </p:txBody>
-      </p:sp>
-      <p:sp>
-        <p:nvSpPr>
-          <p:cNvPr id="158" name="Google Shape;158;p25"/>
-          <p:cNvSpPr txBox="1">
-            <a:spLocks noGrp="1"/>
-          </p:cNvSpPr>
-          <p:nvPr>
-            <p:ph type="body" idx="1"/>
-          </p:nvPr>
-        </p:nvSpPr>
-        <p:spPr>
-          <a:xfrm>
-            <a:off x="280350" y="1266450"/>
-            <a:ext cx="8520600" cy="3339000"/>
-          </a:xfrm>
-          <a:prstGeom prst="rect">
-            <a:avLst/>
-          </a:prstGeom>
-        </p:spPr>
-        <p:txBody>
-          <a:bodyPr spcFirstLastPara="1" wrap="square" lIns="91425" tIns="91425" rIns="91425" bIns="91425" anchor="t" anchorCtr="0">
-            <a:normAutofit fontScale="85000" lnSpcReduction="10000"/>
-          </a:bodyPr>
-          <a:lstStyle/>
-          <a:p>
-            <a:pPr marL="285750" indent="-285750">
-              <a:spcAft>
-                <a:spcPts val="1200"/>
-              </a:spcAft>
-            </a:pPr>
-            <a:r>
-              <a:rPr lang="en-US" dirty="0"/>
-              <a:t>Linux Foundation meetings involve participation by industry competitors, and it is the intention of the Linux Foundation to conduct all of its activities in accordance with applicable antitrust and competition laws. It is therefore extremely important that attendees adhere to meeting agendas, and be aware of, and not participate in, any activities that are prohibited under applicable US state, federal or foreign antitrust and competition laws.</a:t>
-            </a:r>
-          </a:p>
-          <a:p>
-            <a:pPr marL="285750" indent="-285750">
-              <a:spcAft>
-                <a:spcPts val="1200"/>
-              </a:spcAft>
-            </a:pPr>
-            <a:r>
-              <a:rPr lang="en-US" dirty="0"/>
-              <a:t> Examples of types of actions that are prohibited at Linux Foundation meetings and in connection with Linux Foundation activities are described in the Linux Foundation Antitrust Policy available at http://</a:t>
-            </a:r>
-            <a:r>
-              <a:rPr lang="en-US" dirty="0" err="1"/>
-              <a:t>www.linuxfoundation.org</a:t>
-            </a:r>
-            <a:r>
-              <a:rPr lang="en-US" dirty="0"/>
-              <a:t>/antitrust-policy. If you have questions about these matters, please contact your company counsel, or if you are a member of the Linux Foundation, feel free to contact Andrew </a:t>
-            </a:r>
-            <a:r>
-              <a:rPr lang="en-US" dirty="0" err="1"/>
-              <a:t>Updegrove</a:t>
-            </a:r>
-            <a:r>
-              <a:rPr lang="en-US" dirty="0"/>
-              <a:t> of the firm of </a:t>
-            </a:r>
-            <a:r>
-              <a:rPr lang="en-US" dirty="0" err="1"/>
-              <a:t>Gesmer</a:t>
-            </a:r>
-            <a:r>
-              <a:rPr lang="en-US" dirty="0"/>
-              <a:t> </a:t>
-            </a:r>
-            <a:r>
-              <a:rPr lang="en-US" dirty="0" err="1"/>
-              <a:t>Updegrove</a:t>
-            </a:r>
-            <a:r>
-              <a:rPr lang="en-US" dirty="0"/>
-              <a:t> LLP, which provides legal counsel to the Linux Foundation.</a:t>
-            </a:r>
-          </a:p>
-          <a:p>
-            <a:pPr marL="0" lvl="0" indent="0" algn="l" rtl="0">
-              <a:spcBef>
-                <a:spcPts val="0"/>
-              </a:spcBef>
-              <a:spcAft>
-                <a:spcPts val="1200"/>
-              </a:spcAft>
-              <a:buNone/>
-            </a:pPr>
-            <a:endParaRPr lang="en-US" dirty="0"/>
-          </a:p>
-          <a:p>
-            <a:pPr marL="0" lvl="0" indent="0" algn="l" rtl="0">
-              <a:spcBef>
-                <a:spcPts val="0"/>
-              </a:spcBef>
-              <a:spcAft>
-                <a:spcPts val="1200"/>
-              </a:spcAft>
-              <a:buNone/>
-            </a:pPr>
-            <a:endParaRPr dirty="0"/>
-          </a:p>
-        </p:txBody>
-      </p:sp>
-    </p:spTree>
-    <p:extLst>
-      <p:ext uri="{BB962C8B-B14F-4D97-AF65-F5344CB8AC3E}">
-        <p14:creationId xmlns:p14="http://schemas.microsoft.com/office/powerpoint/2010/main" val="1226033584"/>
-      </p:ext>
-    </p:extLst>
   </p:cSld>
   <p:clrMapOvr>
     <a:masterClrMapping/>
